--- a/GroupA-presentation.pptx
+++ b/GroupA-presentation.pptx
@@ -10,8 +10,9 @@
     <p:sldId id="260" r:id="rId4"/>
     <p:sldId id="279" r:id="rId5"/>
     <p:sldId id="278" r:id="rId6"/>
-    <p:sldId id="276" r:id="rId7"/>
-    <p:sldId id="277" r:id="rId8"/>
+    <p:sldId id="280" r:id="rId7"/>
+    <p:sldId id="276" r:id="rId8"/>
+    <p:sldId id="277" r:id="rId9"/>
   </p:sldIdLst>
   <p:sldSz cx="12192000" cy="6858000"/>
   <p:notesSz cx="6858000" cy="9144000"/>
@@ -282,7 +283,7 @@
           <a:p>
             <a:fld id="{32637B58-87C1-446D-BDA9-B06F4BCF7782}" type="datetimeFigureOut">
               <a:rPr lang="en-US" smtClean="0"/>
-              <a:t>12/23/2024</a:t>
+              <a:t>12/29/2024</a:t>
             </a:fld>
             <a:endParaRPr lang="en-US"/>
           </a:p>
@@ -485,7 +486,7 @@
           <a:p>
             <a:fld id="{32637B58-87C1-446D-BDA9-B06F4BCF7782}" type="datetimeFigureOut">
               <a:rPr lang="en-US" smtClean="0"/>
-              <a:t>12/23/2024</a:t>
+              <a:t>12/29/2024</a:t>
             </a:fld>
             <a:endParaRPr lang="en-US"/>
           </a:p>
@@ -693,7 +694,7 @@
           <a:p>
             <a:fld id="{32637B58-87C1-446D-BDA9-B06F4BCF7782}" type="datetimeFigureOut">
               <a:rPr lang="en-US" smtClean="0"/>
-              <a:t>12/23/2024</a:t>
+              <a:t>12/29/2024</a:t>
             </a:fld>
             <a:endParaRPr lang="en-US"/>
           </a:p>
@@ -943,7 +944,7 @@
           <a:p>
             <a:fld id="{32637B58-87C1-446D-BDA9-B06F4BCF7782}" type="datetimeFigureOut">
               <a:rPr lang="en-US" smtClean="0"/>
-              <a:t>12/23/2024</a:t>
+              <a:t>12/29/2024</a:t>
             </a:fld>
             <a:endParaRPr lang="en-US"/>
           </a:p>
@@ -1247,7 +1248,7 @@
           <a:p>
             <a:fld id="{32637B58-87C1-446D-BDA9-B06F4BCF7782}" type="datetimeFigureOut">
               <a:rPr lang="en-US" smtClean="0"/>
-              <a:t>12/23/2024</a:t>
+              <a:t>12/29/2024</a:t>
             </a:fld>
             <a:endParaRPr lang="en-US"/>
           </a:p>
@@ -1514,7 +1515,7 @@
           <a:p>
             <a:fld id="{32637B58-87C1-446D-BDA9-B06F4BCF7782}" type="datetimeFigureOut">
               <a:rPr lang="en-US" smtClean="0"/>
-              <a:t>12/23/2024</a:t>
+              <a:t>12/29/2024</a:t>
             </a:fld>
             <a:endParaRPr lang="en-US"/>
           </a:p>
@@ -1969,7 +1970,7 @@
           <a:p>
             <a:fld id="{32637B58-87C1-446D-BDA9-B06F4BCF7782}" type="datetimeFigureOut">
               <a:rPr lang="en-US" smtClean="0"/>
-              <a:t>12/23/2024</a:t>
+              <a:t>12/29/2024</a:t>
             </a:fld>
             <a:endParaRPr lang="en-US"/>
           </a:p>
@@ -2110,7 +2111,7 @@
           <a:p>
             <a:fld id="{32637B58-87C1-446D-BDA9-B06F4BCF7782}" type="datetimeFigureOut">
               <a:rPr lang="en-US" smtClean="0"/>
-              <a:t>12/23/2024</a:t>
+              <a:t>12/29/2024</a:t>
             </a:fld>
             <a:endParaRPr lang="en-US"/>
           </a:p>
@@ -2223,7 +2224,7 @@
           <a:p>
             <a:fld id="{32637B58-87C1-446D-BDA9-B06F4BCF7782}" type="datetimeFigureOut">
               <a:rPr lang="en-US" smtClean="0"/>
-              <a:t>12/23/2024</a:t>
+              <a:t>12/29/2024</a:t>
             </a:fld>
             <a:endParaRPr lang="en-US"/>
           </a:p>
@@ -2534,7 +2535,7 @@
           <a:p>
             <a:fld id="{32637B58-87C1-446D-BDA9-B06F4BCF7782}" type="datetimeFigureOut">
               <a:rPr lang="en-US" smtClean="0"/>
-              <a:t>12/23/2024</a:t>
+              <a:t>12/29/2024</a:t>
             </a:fld>
             <a:endParaRPr lang="en-US"/>
           </a:p>
@@ -2825,7 +2826,7 @@
           <a:p>
             <a:fld id="{32637B58-87C1-446D-BDA9-B06F4BCF7782}" type="datetimeFigureOut">
               <a:rPr lang="en-US" smtClean="0"/>
-              <a:t>12/23/2024</a:t>
+              <a:t>12/29/2024</a:t>
             </a:fld>
             <a:endParaRPr lang="en-US"/>
           </a:p>
@@ -3236,7 +3237,7 @@
             <a:fld id="{32637B58-87C1-446D-BDA9-B06F4BCF7782}" type="datetimeFigureOut">
               <a:rPr lang="en-US" smtClean="0"/>
               <a:pPr/>
-              <a:t>12/23/2024</a:t>
+              <a:t>12/29/2024</a:t>
             </a:fld>
             <a:endParaRPr lang="en-US" dirty="0"/>
           </a:p>
@@ -3958,7 +3959,28 @@
           <a:bodyPr/>
           <a:lstStyle/>
           <a:p>
-            <a:endParaRPr lang="en-US" dirty="0"/>
+            <a:r>
+              <a:rPr lang="en-US" dirty="0"/>
+              <a:t>Overview, related work</a:t>
+            </a:r>
+          </a:p>
+          <a:p>
+            <a:r>
+              <a:rPr lang="en-US" dirty="0"/>
+              <a:t>Methods</a:t>
+            </a:r>
+          </a:p>
+          <a:p>
+            <a:r>
+              <a:rPr lang="en-US" dirty="0"/>
+              <a:t>Experiments</a:t>
+            </a:r>
+          </a:p>
+          <a:p>
+            <a:r>
+              <a:rPr lang="en-US" dirty="0"/>
+              <a:t>Conclusions, ideas for future work</a:t>
+            </a:r>
           </a:p>
         </p:txBody>
       </p:sp>
@@ -4043,7 +4065,70 @@
           <a:bodyPr/>
           <a:lstStyle/>
           <a:p>
+            <a:r>
+              <a:rPr lang="en-US" dirty="0"/>
+              <a:t>Create believable human group </a:t>
+            </a:r>
+            <a:r>
+              <a:rPr lang="en-US" dirty="0" err="1"/>
+              <a:t>behaviour</a:t>
+            </a:r>
             <a:endParaRPr lang="en-US" dirty="0"/>
+          </a:p>
+          <a:p>
+            <a:r>
+              <a:rPr lang="en-US" dirty="0"/>
+              <a:t>Give user option to control leader and to place police agents as barricades anywhere on the map</a:t>
+            </a:r>
+          </a:p>
+          <a:p>
+            <a:endParaRPr lang="en-US" dirty="0"/>
+          </a:p>
+          <a:p>
+            <a:r>
+              <a:rPr lang="en-US" dirty="0"/>
+              <a:t>Related work:</a:t>
+            </a:r>
+          </a:p>
+          <a:p>
+            <a:pPr lvl="1"/>
+            <a:r>
+              <a:rPr lang="en-US" dirty="0"/>
+              <a:t>Lemos, et. al. – Agent Based modeling of protests and violent confrontation (2014)</a:t>
+            </a:r>
+          </a:p>
+          <a:p>
+            <a:pPr lvl="1"/>
+            <a:r>
+              <a:rPr lang="en-US" dirty="0" err="1"/>
+              <a:t>Itatani</a:t>
+            </a:r>
+            <a:r>
+              <a:rPr lang="en-US" dirty="0"/>
+              <a:t>, </a:t>
+            </a:r>
+            <a:r>
+              <a:rPr lang="en-US" dirty="0" err="1"/>
+              <a:t>Pelechano</a:t>
+            </a:r>
+            <a:r>
+              <a:rPr lang="en-US" dirty="0"/>
+              <a:t> – Social Crowd Simulation (2024)</a:t>
+            </a:r>
+          </a:p>
+          <a:p>
+            <a:pPr lvl="1"/>
+            <a:endParaRPr lang="en-US" dirty="0"/>
+          </a:p>
+          <a:p>
+            <a:pPr algn="l"/>
+            <a:endParaRPr lang="en-US" b="0" i="0" dirty="0">
+              <a:solidFill>
+                <a:srgbClr val="000000"/>
+              </a:solidFill>
+              <a:effectLst/>
+              <a:latin typeface="ff2"/>
+            </a:endParaRPr>
           </a:p>
         </p:txBody>
       </p:sp>
@@ -4134,6 +4219,35 @@
           <a:bodyPr/>
           <a:lstStyle/>
           <a:p>
+            <a:r>
+              <a:rPr lang="en-US" dirty="0"/>
+              <a:t>Basic flocking algorithm</a:t>
+            </a:r>
+          </a:p>
+          <a:p>
+            <a:r>
+              <a:rPr lang="en-US" dirty="0"/>
+              <a:t>Topological map</a:t>
+            </a:r>
+          </a:p>
+          <a:p>
+            <a:r>
+              <a:rPr lang="en-US" dirty="0"/>
+              <a:t>Social Crowd Simulation – steering dynamics (collision avoidance, wall repulsion</a:t>
+            </a:r>
+            <a:r>
+              <a:rPr lang="en-US"/>
+              <a:t>, etc.)</a:t>
+            </a:r>
+            <a:endParaRPr lang="en-US" dirty="0"/>
+          </a:p>
+          <a:p>
+            <a:r>
+              <a:rPr lang="en-US" dirty="0"/>
+              <a:t>Division of agents into subgroups, levels of aggression</a:t>
+            </a:r>
+          </a:p>
+          <a:p>
             <a:endParaRPr lang="en-US" dirty="0"/>
           </a:p>
         </p:txBody>
@@ -4225,7 +4339,19 @@
           <a:bodyPr/>
           <a:lstStyle/>
           <a:p>
+            <a:r>
+              <a:rPr lang="en-US" dirty="0"/>
+              <a:t>Arbitrary movement for leader</a:t>
+            </a:r>
+          </a:p>
+          <a:p>
             <a:endParaRPr lang="en-US" dirty="0"/>
+          </a:p>
+          <a:p>
+            <a:r>
+              <a:rPr lang="en-US" dirty="0"/>
+              <a:t>…video</a:t>
+            </a:r>
           </a:p>
         </p:txBody>
       </p:sp>
@@ -4247,6 +4373,109 @@
   <p:cSld>
     <p:spTree>
       <p:nvGrpSpPr>
+        <p:cNvPr id="1" name="">
+          <a:extLst>
+            <a:ext uri="{FF2B5EF4-FFF2-40B4-BE49-F238E27FC236}">
+              <a16:creationId xmlns:a16="http://schemas.microsoft.com/office/drawing/2014/main" id="{C1D6E782-E566-B3E3-F301-D427CB31128B}"/>
+            </a:ext>
+          </a:extLst>
+        </p:cNvPr>
+        <p:cNvGrpSpPr/>
+        <p:nvPr/>
+      </p:nvGrpSpPr>
+      <p:grpSpPr>
+        <a:xfrm>
+          <a:off x="0" y="0"/>
+          <a:ext cx="0" cy="0"/>
+          <a:chOff x="0" y="0"/>
+          <a:chExt cx="0" cy="0"/>
+        </a:xfrm>
+      </p:grpSpPr>
+      <p:sp>
+        <p:nvSpPr>
+          <p:cNvPr id="2" name="Title 1">
+            <a:extLst>
+              <a:ext uri="{FF2B5EF4-FFF2-40B4-BE49-F238E27FC236}">
+                <a16:creationId xmlns:a16="http://schemas.microsoft.com/office/drawing/2014/main" id="{1FE6C1E6-E6A6-ADAA-F14A-E3D9EA6E60D0}"/>
+              </a:ext>
+            </a:extLst>
+          </p:cNvPr>
+          <p:cNvSpPr>
+            <a:spLocks noGrp="1"/>
+          </p:cNvSpPr>
+          <p:nvPr>
+            <p:ph type="title"/>
+          </p:nvPr>
+        </p:nvSpPr>
+        <p:spPr/>
+        <p:txBody>
+          <a:bodyPr/>
+          <a:lstStyle/>
+          <a:p>
+            <a:r>
+              <a:rPr lang="en-US" dirty="0">
+                <a:latin typeface="Trebuchet MS" panose="020B0603020202020204" pitchFamily="34" charset="0"/>
+              </a:rPr>
+              <a:t>Results</a:t>
+            </a:r>
+          </a:p>
+        </p:txBody>
+      </p:sp>
+      <p:sp>
+        <p:nvSpPr>
+          <p:cNvPr id="3" name="Content Placeholder 2">
+            <a:extLst>
+              <a:ext uri="{FF2B5EF4-FFF2-40B4-BE49-F238E27FC236}">
+                <a16:creationId xmlns:a16="http://schemas.microsoft.com/office/drawing/2014/main" id="{5D9CFBAB-8D3A-49B8-4C89-10F81BC031B2}"/>
+              </a:ext>
+            </a:extLst>
+          </p:cNvPr>
+          <p:cNvSpPr>
+            <a:spLocks noGrp="1"/>
+          </p:cNvSpPr>
+          <p:nvPr>
+            <p:ph idx="1"/>
+          </p:nvPr>
+        </p:nvSpPr>
+        <p:spPr/>
+        <p:txBody>
+          <a:bodyPr/>
+          <a:lstStyle/>
+          <a:p>
+            <a:r>
+              <a:rPr lang="en-US" dirty="0"/>
+              <a:t>User manually controls leader’s movement</a:t>
+            </a:r>
+          </a:p>
+          <a:p>
+            <a:endParaRPr lang="en-US" dirty="0"/>
+          </a:p>
+          <a:p>
+            <a:r>
+              <a:rPr lang="en-US" dirty="0"/>
+              <a:t>…video</a:t>
+            </a:r>
+          </a:p>
+        </p:txBody>
+      </p:sp>
+    </p:spTree>
+    <p:extLst>
+      <p:ext uri="{BB962C8B-B14F-4D97-AF65-F5344CB8AC3E}">
+        <p14:creationId xmlns:p14="http://schemas.microsoft.com/office/powerpoint/2010/main" val="3686370145"/>
+      </p:ext>
+    </p:extLst>
+  </p:cSld>
+  <p:clrMapOvr>
+    <a:masterClrMapping/>
+  </p:clrMapOvr>
+</p:sld>
+</file>
+
+<file path=ppt/slides/slide7.xml><?xml version="1.0" encoding="utf-8"?>
+<p:sld xmlns:a="http://schemas.openxmlformats.org/drawingml/2006/main" xmlns:r="http://schemas.openxmlformats.org/officeDocument/2006/relationships" xmlns:p="http://schemas.openxmlformats.org/presentationml/2006/main">
+  <p:cSld>
+    <p:spTree>
+      <p:nvGrpSpPr>
         <p:cNvPr id="1" name=""/>
         <p:cNvGrpSpPr/>
         <p:nvPr/>
@@ -4310,6 +4539,41 @@
           <a:bodyPr/>
           <a:lstStyle/>
           <a:p>
+            <a:r>
+              <a:rPr lang="en-US" dirty="0"/>
+              <a:t>Model seems to approximate human </a:t>
+            </a:r>
+            <a:r>
+              <a:rPr lang="en-US" dirty="0" err="1"/>
+              <a:t>behaviour</a:t>
+            </a:r>
+            <a:r>
+              <a:rPr lang="en-US" dirty="0"/>
+              <a:t> reasonably well…</a:t>
+            </a:r>
+          </a:p>
+          <a:p>
+            <a:r>
+              <a:rPr lang="en-US" dirty="0"/>
+              <a:t>Future work:</a:t>
+            </a:r>
+          </a:p>
+          <a:p>
+            <a:pPr lvl="1"/>
+            <a:r>
+              <a:rPr lang="en-US" dirty="0"/>
+              <a:t>Increase map accuracy (include parks, statues, etc.)</a:t>
+            </a:r>
+          </a:p>
+          <a:p>
+            <a:pPr lvl="1"/>
+            <a:r>
+              <a:rPr lang="en-US" dirty="0"/>
+              <a:t>Train police agents to create optimal formations</a:t>
+            </a:r>
+          </a:p>
+          <a:p>
+            <a:pPr lvl="1"/>
             <a:endParaRPr lang="en-US" dirty="0"/>
           </a:p>
         </p:txBody>
@@ -4327,7 +4591,7 @@
 </p:sld>
 </file>
 
-<file path=ppt/slides/slide7.xml><?xml version="1.0" encoding="utf-8"?>
+<file path=ppt/slides/slide8.xml><?xml version="1.0" encoding="utf-8"?>
 <p:sld xmlns:a="http://schemas.openxmlformats.org/drawingml/2006/main" xmlns:r="http://schemas.openxmlformats.org/officeDocument/2006/relationships" xmlns:p="http://schemas.openxmlformats.org/presentationml/2006/main">
   <p:cSld>
     <p:spTree>

--- a/GroupA-presentation.pptx
+++ b/GroupA-presentation.pptx
@@ -10,9 +10,11 @@
     <p:sldId id="260" r:id="rId4"/>
     <p:sldId id="279" r:id="rId5"/>
     <p:sldId id="278" r:id="rId6"/>
-    <p:sldId id="280" r:id="rId7"/>
-    <p:sldId id="276" r:id="rId8"/>
-    <p:sldId id="277" r:id="rId9"/>
+    <p:sldId id="281" r:id="rId7"/>
+    <p:sldId id="280" r:id="rId8"/>
+    <p:sldId id="282" r:id="rId9"/>
+    <p:sldId id="276" r:id="rId10"/>
+    <p:sldId id="277" r:id="rId11"/>
   </p:sldIdLst>
   <p:sldSz cx="12192000" cy="6858000"/>
   <p:notesSz cx="6858000" cy="9144000"/>
@@ -283,7 +285,7 @@
           <a:p>
             <a:fld id="{32637B58-87C1-446D-BDA9-B06F4BCF7782}" type="datetimeFigureOut">
               <a:rPr lang="en-US" smtClean="0"/>
-              <a:t>12/29/2024</a:t>
+              <a:t>1/3/2025</a:t>
             </a:fld>
             <a:endParaRPr lang="en-US"/>
           </a:p>
@@ -486,7 +488,7 @@
           <a:p>
             <a:fld id="{32637B58-87C1-446D-BDA9-B06F4BCF7782}" type="datetimeFigureOut">
               <a:rPr lang="en-US" smtClean="0"/>
-              <a:t>12/29/2024</a:t>
+              <a:t>1/3/2025</a:t>
             </a:fld>
             <a:endParaRPr lang="en-US"/>
           </a:p>
@@ -694,7 +696,7 @@
           <a:p>
             <a:fld id="{32637B58-87C1-446D-BDA9-B06F4BCF7782}" type="datetimeFigureOut">
               <a:rPr lang="en-US" smtClean="0"/>
-              <a:t>12/29/2024</a:t>
+              <a:t>1/3/2025</a:t>
             </a:fld>
             <a:endParaRPr lang="en-US"/>
           </a:p>
@@ -944,7 +946,7 @@
           <a:p>
             <a:fld id="{32637B58-87C1-446D-BDA9-B06F4BCF7782}" type="datetimeFigureOut">
               <a:rPr lang="en-US" smtClean="0"/>
-              <a:t>12/29/2024</a:t>
+              <a:t>1/3/2025</a:t>
             </a:fld>
             <a:endParaRPr lang="en-US"/>
           </a:p>
@@ -1248,7 +1250,7 @@
           <a:p>
             <a:fld id="{32637B58-87C1-446D-BDA9-B06F4BCF7782}" type="datetimeFigureOut">
               <a:rPr lang="en-US" smtClean="0"/>
-              <a:t>12/29/2024</a:t>
+              <a:t>1/3/2025</a:t>
             </a:fld>
             <a:endParaRPr lang="en-US"/>
           </a:p>
@@ -1515,7 +1517,7 @@
           <a:p>
             <a:fld id="{32637B58-87C1-446D-BDA9-B06F4BCF7782}" type="datetimeFigureOut">
               <a:rPr lang="en-US" smtClean="0"/>
-              <a:t>12/29/2024</a:t>
+              <a:t>1/3/2025</a:t>
             </a:fld>
             <a:endParaRPr lang="en-US"/>
           </a:p>
@@ -1970,7 +1972,7 @@
           <a:p>
             <a:fld id="{32637B58-87C1-446D-BDA9-B06F4BCF7782}" type="datetimeFigureOut">
               <a:rPr lang="en-US" smtClean="0"/>
-              <a:t>12/29/2024</a:t>
+              <a:t>1/3/2025</a:t>
             </a:fld>
             <a:endParaRPr lang="en-US"/>
           </a:p>
@@ -2111,7 +2113,7 @@
           <a:p>
             <a:fld id="{32637B58-87C1-446D-BDA9-B06F4BCF7782}" type="datetimeFigureOut">
               <a:rPr lang="en-US" smtClean="0"/>
-              <a:t>12/29/2024</a:t>
+              <a:t>1/3/2025</a:t>
             </a:fld>
             <a:endParaRPr lang="en-US"/>
           </a:p>
@@ -2224,7 +2226,7 @@
           <a:p>
             <a:fld id="{32637B58-87C1-446D-BDA9-B06F4BCF7782}" type="datetimeFigureOut">
               <a:rPr lang="en-US" smtClean="0"/>
-              <a:t>12/29/2024</a:t>
+              <a:t>1/3/2025</a:t>
             </a:fld>
             <a:endParaRPr lang="en-US"/>
           </a:p>
@@ -2535,7 +2537,7 @@
           <a:p>
             <a:fld id="{32637B58-87C1-446D-BDA9-B06F4BCF7782}" type="datetimeFigureOut">
               <a:rPr lang="en-US" smtClean="0"/>
-              <a:t>12/29/2024</a:t>
+              <a:t>1/3/2025</a:t>
             </a:fld>
             <a:endParaRPr lang="en-US"/>
           </a:p>
@@ -2826,7 +2828,7 @@
           <a:p>
             <a:fld id="{32637B58-87C1-446D-BDA9-B06F4BCF7782}" type="datetimeFigureOut">
               <a:rPr lang="en-US" smtClean="0"/>
-              <a:t>12/29/2024</a:t>
+              <a:t>1/3/2025</a:t>
             </a:fld>
             <a:endParaRPr lang="en-US"/>
           </a:p>
@@ -3237,7 +3239,7 @@
             <a:fld id="{32637B58-87C1-446D-BDA9-B06F4BCF7782}" type="datetimeFigureOut">
               <a:rPr lang="en-US" smtClean="0"/>
               <a:pPr/>
-              <a:t>12/29/2024</a:t>
+              <a:t>1/3/2025</a:t>
             </a:fld>
             <a:endParaRPr lang="en-US" dirty="0"/>
           </a:p>
@@ -3891,6 +3893,91 @@
 </p:sld>
 </file>
 
+<file path=ppt/slides/slide10.xml><?xml version="1.0" encoding="utf-8"?>
+<p:sld xmlns:a="http://schemas.openxmlformats.org/drawingml/2006/main" xmlns:r="http://schemas.openxmlformats.org/officeDocument/2006/relationships" xmlns:p="http://schemas.openxmlformats.org/presentationml/2006/main">
+  <p:cSld>
+    <p:spTree>
+      <p:nvGrpSpPr>
+        <p:cNvPr id="1" name=""/>
+        <p:cNvGrpSpPr/>
+        <p:nvPr/>
+      </p:nvGrpSpPr>
+      <p:grpSpPr>
+        <a:xfrm>
+          <a:off x="0" y="0"/>
+          <a:ext cx="0" cy="0"/>
+          <a:chOff x="0" y="0"/>
+          <a:chExt cx="0" cy="0"/>
+        </a:xfrm>
+      </p:grpSpPr>
+      <p:sp>
+        <p:nvSpPr>
+          <p:cNvPr id="2" name="Title 1">
+            <a:extLst>
+              <a:ext uri="{FF2B5EF4-FFF2-40B4-BE49-F238E27FC236}">
+                <a16:creationId xmlns:a16="http://schemas.microsoft.com/office/drawing/2014/main" id="{427B556E-14F6-F617-A0C9-A64626166D74}"/>
+              </a:ext>
+            </a:extLst>
+          </p:cNvPr>
+          <p:cNvSpPr>
+            <a:spLocks noGrp="1"/>
+          </p:cNvSpPr>
+          <p:nvPr>
+            <p:ph type="title"/>
+          </p:nvPr>
+        </p:nvSpPr>
+        <p:spPr/>
+        <p:txBody>
+          <a:bodyPr/>
+          <a:lstStyle/>
+          <a:p>
+            <a:r>
+              <a:rPr lang="en-US" dirty="0">
+                <a:latin typeface="Trebuchet MS" panose="020B0603020202020204" pitchFamily="34" charset="0"/>
+              </a:rPr>
+              <a:t>Thank you for your attention</a:t>
+            </a:r>
+          </a:p>
+        </p:txBody>
+      </p:sp>
+      <p:sp>
+        <p:nvSpPr>
+          <p:cNvPr id="3" name="Text Placeholder 2">
+            <a:extLst>
+              <a:ext uri="{FF2B5EF4-FFF2-40B4-BE49-F238E27FC236}">
+                <a16:creationId xmlns:a16="http://schemas.microsoft.com/office/drawing/2014/main" id="{BC889EB6-9A67-D64C-305A-81C2CEF39489}"/>
+              </a:ext>
+            </a:extLst>
+          </p:cNvPr>
+          <p:cNvSpPr>
+            <a:spLocks noGrp="1"/>
+          </p:cNvSpPr>
+          <p:nvPr>
+            <p:ph type="body" idx="1"/>
+          </p:nvPr>
+        </p:nvSpPr>
+        <p:spPr/>
+        <p:txBody>
+          <a:bodyPr/>
+          <a:lstStyle/>
+          <a:p>
+            <a:endParaRPr lang="en-US"/>
+          </a:p>
+        </p:txBody>
+      </p:sp>
+    </p:spTree>
+    <p:extLst>
+      <p:ext uri="{BB962C8B-B14F-4D97-AF65-F5344CB8AC3E}">
+        <p14:creationId xmlns:p14="http://schemas.microsoft.com/office/powerpoint/2010/main" val="1403304922"/>
+      </p:ext>
+    </p:extLst>
+  </p:cSld>
+  <p:clrMapOvr>
+    <a:masterClrMapping/>
+  </p:clrMapOvr>
+</p:sld>
+</file>
+
 <file path=ppt/slides/slide2.xml><?xml version="1.0" encoding="utf-8"?>
 <p:sld xmlns:a="http://schemas.openxmlformats.org/drawingml/2006/main" xmlns:r="http://schemas.openxmlformats.org/officeDocument/2006/relationships" xmlns:p="http://schemas.openxmlformats.org/presentationml/2006/main">
   <p:cSld>
@@ -4078,7 +4165,7 @@
           <a:p>
             <a:r>
               <a:rPr lang="en-US" dirty="0"/>
-              <a:t>Give user option to control leader and to place police agents as barricades anywhere on the map</a:t>
+              <a:t>Give user the option to control leader and to place police agents as barricades anywhere on the map</a:t>
             </a:r>
           </a:p>
           <a:p>
@@ -4114,6 +4201,21 @@
             <a:r>
               <a:rPr lang="en-US" dirty="0"/>
               <a:t> – Social Crowd Simulation (2024)</a:t>
+            </a:r>
+          </a:p>
+          <a:p>
+            <a:pPr lvl="1"/>
+            <a:r>
+              <a:rPr lang="en-US" dirty="0"/>
+              <a:t>Clements, </a:t>
+            </a:r>
+            <a:r>
+              <a:rPr lang="en-US" dirty="0" err="1"/>
+              <a:t>Fadai</a:t>
+            </a:r>
+            <a:r>
+              <a:rPr lang="en-US" dirty="0"/>
+              <a:t> – Agent-based modelling of sports riots (2022)</a:t>
             </a:r>
           </a:p>
           <a:p>
@@ -4341,20 +4443,49 @@
           <a:p>
             <a:r>
               <a:rPr lang="en-US" dirty="0"/>
-              <a:t>Arbitrary movement for leader</a:t>
-            </a:r>
-          </a:p>
-          <a:p>
+              <a:t>End-position-seeking-</a:t>
+            </a:r>
+            <a:r>
+              <a:rPr lang="en-US" dirty="0" err="1"/>
+              <a:t>behaviour</a:t>
+            </a:r>
             <a:endParaRPr lang="en-US" dirty="0"/>
           </a:p>
           <a:p>
-            <a:r>
-              <a:rPr lang="en-US" dirty="0"/>
-              <a:t>…video</a:t>
-            </a:r>
-          </a:p>
-        </p:txBody>
-      </p:sp>
+            <a:endParaRPr lang="en-US" dirty="0"/>
+          </a:p>
+        </p:txBody>
+      </p:sp>
+      <p:pic>
+        <p:nvPicPr>
+          <p:cNvPr id="5" name="Picture 4">
+            <a:extLst>
+              <a:ext uri="{FF2B5EF4-FFF2-40B4-BE49-F238E27FC236}">
+                <a16:creationId xmlns:a16="http://schemas.microsoft.com/office/drawing/2014/main" id="{A36D0F5A-A549-72B7-4DAF-92662CD3D45E}"/>
+              </a:ext>
+            </a:extLst>
+          </p:cNvPr>
+          <p:cNvPicPr>
+            <a:picLocks noChangeAspect="1"/>
+          </p:cNvPicPr>
+          <p:nvPr/>
+        </p:nvPicPr>
+        <p:blipFill>
+          <a:blip r:embed="rId2"/>
+          <a:stretch>
+            <a:fillRect/>
+          </a:stretch>
+        </p:blipFill>
+        <p:spPr>
+          <a:xfrm>
+            <a:off x="584466" y="2497577"/>
+            <a:ext cx="11439525" cy="4162425"/>
+          </a:xfrm>
+          <a:prstGeom prst="rect">
+            <a:avLst/>
+          </a:prstGeom>
+        </p:spPr>
+      </p:pic>
     </p:spTree>
     <p:extLst>
       <p:ext uri="{BB962C8B-B14F-4D97-AF65-F5344CB8AC3E}">
@@ -4369,6 +4500,109 @@
 </file>
 
 <file path=ppt/slides/slide6.xml><?xml version="1.0" encoding="utf-8"?>
+<p:sld xmlns:a="http://schemas.openxmlformats.org/drawingml/2006/main" xmlns:r="http://schemas.openxmlformats.org/officeDocument/2006/relationships" xmlns:p="http://schemas.openxmlformats.org/presentationml/2006/main">
+  <p:cSld>
+    <p:spTree>
+      <p:nvGrpSpPr>
+        <p:cNvPr id="1" name="">
+          <a:extLst>
+            <a:ext uri="{FF2B5EF4-FFF2-40B4-BE49-F238E27FC236}">
+              <a16:creationId xmlns:a16="http://schemas.microsoft.com/office/drawing/2014/main" id="{9238F1D7-EE7E-3455-733C-4E308796772E}"/>
+            </a:ext>
+          </a:extLst>
+        </p:cNvPr>
+        <p:cNvGrpSpPr/>
+        <p:nvPr/>
+      </p:nvGrpSpPr>
+      <p:grpSpPr>
+        <a:xfrm>
+          <a:off x="0" y="0"/>
+          <a:ext cx="0" cy="0"/>
+          <a:chOff x="0" y="0"/>
+          <a:chExt cx="0" cy="0"/>
+        </a:xfrm>
+      </p:grpSpPr>
+      <p:sp>
+        <p:nvSpPr>
+          <p:cNvPr id="2" name="Title 1">
+            <a:extLst>
+              <a:ext uri="{FF2B5EF4-FFF2-40B4-BE49-F238E27FC236}">
+                <a16:creationId xmlns:a16="http://schemas.microsoft.com/office/drawing/2014/main" id="{73DA8B9E-6130-D1C4-223F-5115E659EB7C}"/>
+              </a:ext>
+            </a:extLst>
+          </p:cNvPr>
+          <p:cNvSpPr>
+            <a:spLocks noGrp="1"/>
+          </p:cNvSpPr>
+          <p:nvPr>
+            <p:ph type="title"/>
+          </p:nvPr>
+        </p:nvSpPr>
+        <p:spPr/>
+        <p:txBody>
+          <a:bodyPr/>
+          <a:lstStyle/>
+          <a:p>
+            <a:r>
+              <a:rPr lang="en-US" dirty="0">
+                <a:latin typeface="Trebuchet MS" panose="020B0603020202020204" pitchFamily="34" charset="0"/>
+              </a:rPr>
+              <a:t>Results</a:t>
+            </a:r>
+          </a:p>
+        </p:txBody>
+      </p:sp>
+      <p:sp>
+        <p:nvSpPr>
+          <p:cNvPr id="3" name="Content Placeholder 2">
+            <a:extLst>
+              <a:ext uri="{FF2B5EF4-FFF2-40B4-BE49-F238E27FC236}">
+                <a16:creationId xmlns:a16="http://schemas.microsoft.com/office/drawing/2014/main" id="{FC607E13-5D85-7B89-57D8-D52A7634453B}"/>
+              </a:ext>
+            </a:extLst>
+          </p:cNvPr>
+          <p:cNvSpPr>
+            <a:spLocks noGrp="1"/>
+          </p:cNvSpPr>
+          <p:nvPr>
+            <p:ph idx="1"/>
+          </p:nvPr>
+        </p:nvSpPr>
+        <p:spPr/>
+        <p:txBody>
+          <a:bodyPr/>
+          <a:lstStyle/>
+          <a:p>
+            <a:r>
+              <a:rPr lang="en-US" dirty="0"/>
+              <a:t>Arbitrary movement for leader</a:t>
+            </a:r>
+          </a:p>
+          <a:p>
+            <a:endParaRPr lang="en-US" dirty="0"/>
+          </a:p>
+          <a:p>
+            <a:r>
+              <a:rPr lang="en-US" dirty="0"/>
+              <a:t>…video</a:t>
+            </a:r>
+          </a:p>
+        </p:txBody>
+      </p:sp>
+    </p:spTree>
+    <p:extLst>
+      <p:ext uri="{BB962C8B-B14F-4D97-AF65-F5344CB8AC3E}">
+        <p14:creationId xmlns:p14="http://schemas.microsoft.com/office/powerpoint/2010/main" val="4012959857"/>
+      </p:ext>
+    </p:extLst>
+  </p:cSld>
+  <p:clrMapOvr>
+    <a:masterClrMapping/>
+  </p:clrMapOvr>
+</p:sld>
+</file>
+
+<file path=ppt/slides/slide7.xml><?xml version="1.0" encoding="utf-8"?>
 <p:sld xmlns:a="http://schemas.openxmlformats.org/drawingml/2006/main" xmlns:r="http://schemas.openxmlformats.org/officeDocument/2006/relationships" xmlns:p="http://schemas.openxmlformats.org/presentationml/2006/main">
   <p:cSld>
     <p:spTree>
@@ -4471,7 +4705,102 @@
 </p:sld>
 </file>
 
-<file path=ppt/slides/slide7.xml><?xml version="1.0" encoding="utf-8"?>
+<file path=ppt/slides/slide8.xml><?xml version="1.0" encoding="utf-8"?>
+<p:sld xmlns:a="http://schemas.openxmlformats.org/drawingml/2006/main" xmlns:r="http://schemas.openxmlformats.org/officeDocument/2006/relationships" xmlns:p="http://schemas.openxmlformats.org/presentationml/2006/main">
+  <p:cSld>
+    <p:spTree>
+      <p:nvGrpSpPr>
+        <p:cNvPr id="1" name="">
+          <a:extLst>
+            <a:ext uri="{FF2B5EF4-FFF2-40B4-BE49-F238E27FC236}">
+              <a16:creationId xmlns:a16="http://schemas.microsoft.com/office/drawing/2014/main" id="{E27F8262-C469-B430-19A2-E39472460DBE}"/>
+            </a:ext>
+          </a:extLst>
+        </p:cNvPr>
+        <p:cNvGrpSpPr/>
+        <p:nvPr/>
+      </p:nvGrpSpPr>
+      <p:grpSpPr>
+        <a:xfrm>
+          <a:off x="0" y="0"/>
+          <a:ext cx="0" cy="0"/>
+          <a:chOff x="0" y="0"/>
+          <a:chExt cx="0" cy="0"/>
+        </a:xfrm>
+      </p:grpSpPr>
+      <p:sp>
+        <p:nvSpPr>
+          <p:cNvPr id="2" name="Title 1">
+            <a:extLst>
+              <a:ext uri="{FF2B5EF4-FFF2-40B4-BE49-F238E27FC236}">
+                <a16:creationId xmlns:a16="http://schemas.microsoft.com/office/drawing/2014/main" id="{C8D971A7-C046-479B-8FC0-8047EE053FAB}"/>
+              </a:ext>
+            </a:extLst>
+          </p:cNvPr>
+          <p:cNvSpPr>
+            <a:spLocks noGrp="1"/>
+          </p:cNvSpPr>
+          <p:nvPr>
+            <p:ph type="title"/>
+          </p:nvPr>
+        </p:nvSpPr>
+        <p:spPr/>
+        <p:txBody>
+          <a:bodyPr/>
+          <a:lstStyle/>
+          <a:p>
+            <a:r>
+              <a:rPr lang="en-US" dirty="0">
+                <a:latin typeface="Trebuchet MS" panose="020B0603020202020204" pitchFamily="34" charset="0"/>
+              </a:rPr>
+              <a:t>Results</a:t>
+            </a:r>
+          </a:p>
+        </p:txBody>
+      </p:sp>
+      <p:sp>
+        <p:nvSpPr>
+          <p:cNvPr id="3" name="Content Placeholder 2">
+            <a:extLst>
+              <a:ext uri="{FF2B5EF4-FFF2-40B4-BE49-F238E27FC236}">
+                <a16:creationId xmlns:a16="http://schemas.microsoft.com/office/drawing/2014/main" id="{0CCA4659-2BEC-2986-981D-A4232C99F0E8}"/>
+              </a:ext>
+            </a:extLst>
+          </p:cNvPr>
+          <p:cNvSpPr>
+            <a:spLocks noGrp="1"/>
+          </p:cNvSpPr>
+          <p:nvPr>
+            <p:ph idx="1"/>
+          </p:nvPr>
+        </p:nvSpPr>
+        <p:spPr/>
+        <p:txBody>
+          <a:bodyPr/>
+          <a:lstStyle/>
+          <a:p>
+            <a:r>
+              <a:rPr lang="en-US"/>
+              <a:t>Leader hierarchy</a:t>
+            </a:r>
+            <a:endParaRPr lang="en-US" dirty="0"/>
+          </a:p>
+        </p:txBody>
+      </p:sp>
+    </p:spTree>
+    <p:extLst>
+      <p:ext uri="{BB962C8B-B14F-4D97-AF65-F5344CB8AC3E}">
+        <p14:creationId xmlns:p14="http://schemas.microsoft.com/office/powerpoint/2010/main" val="3898129426"/>
+      </p:ext>
+    </p:extLst>
+  </p:cSld>
+  <p:clrMapOvr>
+    <a:masterClrMapping/>
+  </p:clrMapOvr>
+</p:sld>
+</file>
+
+<file path=ppt/slides/slide9.xml><?xml version="1.0" encoding="utf-8"?>
 <p:sld xmlns:a="http://schemas.openxmlformats.org/drawingml/2006/main" xmlns:r="http://schemas.openxmlformats.org/officeDocument/2006/relationships" xmlns:p="http://schemas.openxmlformats.org/presentationml/2006/main">
   <p:cSld>
     <p:spTree>
@@ -4574,6 +4903,13 @@
           </a:p>
           <a:p>
             <a:pPr lvl="1"/>
+            <a:r>
+              <a:rPr lang="en-US" dirty="0"/>
+              <a:t>Introduce uncertainty into vision</a:t>
+            </a:r>
+          </a:p>
+          <a:p>
+            <a:pPr lvl="1"/>
             <a:endParaRPr lang="en-US" dirty="0"/>
           </a:p>
         </p:txBody>
@@ -4582,91 +4918,6 @@
     <p:extLst>
       <p:ext uri="{BB962C8B-B14F-4D97-AF65-F5344CB8AC3E}">
         <p14:creationId xmlns:p14="http://schemas.microsoft.com/office/powerpoint/2010/main" val="1742204147"/>
-      </p:ext>
-    </p:extLst>
-  </p:cSld>
-  <p:clrMapOvr>
-    <a:masterClrMapping/>
-  </p:clrMapOvr>
-</p:sld>
-</file>
-
-<file path=ppt/slides/slide8.xml><?xml version="1.0" encoding="utf-8"?>
-<p:sld xmlns:a="http://schemas.openxmlformats.org/drawingml/2006/main" xmlns:r="http://schemas.openxmlformats.org/officeDocument/2006/relationships" xmlns:p="http://schemas.openxmlformats.org/presentationml/2006/main">
-  <p:cSld>
-    <p:spTree>
-      <p:nvGrpSpPr>
-        <p:cNvPr id="1" name=""/>
-        <p:cNvGrpSpPr/>
-        <p:nvPr/>
-      </p:nvGrpSpPr>
-      <p:grpSpPr>
-        <a:xfrm>
-          <a:off x="0" y="0"/>
-          <a:ext cx="0" cy="0"/>
-          <a:chOff x="0" y="0"/>
-          <a:chExt cx="0" cy="0"/>
-        </a:xfrm>
-      </p:grpSpPr>
-      <p:sp>
-        <p:nvSpPr>
-          <p:cNvPr id="2" name="Title 1">
-            <a:extLst>
-              <a:ext uri="{FF2B5EF4-FFF2-40B4-BE49-F238E27FC236}">
-                <a16:creationId xmlns:a16="http://schemas.microsoft.com/office/drawing/2014/main" id="{427B556E-14F6-F617-A0C9-A64626166D74}"/>
-              </a:ext>
-            </a:extLst>
-          </p:cNvPr>
-          <p:cNvSpPr>
-            <a:spLocks noGrp="1"/>
-          </p:cNvSpPr>
-          <p:nvPr>
-            <p:ph type="title"/>
-          </p:nvPr>
-        </p:nvSpPr>
-        <p:spPr/>
-        <p:txBody>
-          <a:bodyPr/>
-          <a:lstStyle/>
-          <a:p>
-            <a:r>
-              <a:rPr lang="en-US" dirty="0">
-                <a:latin typeface="Trebuchet MS" panose="020B0603020202020204" pitchFamily="34" charset="0"/>
-              </a:rPr>
-              <a:t>Thank you for your attention</a:t>
-            </a:r>
-          </a:p>
-        </p:txBody>
-      </p:sp>
-      <p:sp>
-        <p:nvSpPr>
-          <p:cNvPr id="3" name="Text Placeholder 2">
-            <a:extLst>
-              <a:ext uri="{FF2B5EF4-FFF2-40B4-BE49-F238E27FC236}">
-                <a16:creationId xmlns:a16="http://schemas.microsoft.com/office/drawing/2014/main" id="{BC889EB6-9A67-D64C-305A-81C2CEF39489}"/>
-              </a:ext>
-            </a:extLst>
-          </p:cNvPr>
-          <p:cNvSpPr>
-            <a:spLocks noGrp="1"/>
-          </p:cNvSpPr>
-          <p:nvPr>
-            <p:ph type="body" idx="1"/>
-          </p:nvPr>
-        </p:nvSpPr>
-        <p:spPr/>
-        <p:txBody>
-          <a:bodyPr/>
-          <a:lstStyle/>
-          <a:p>
-            <a:endParaRPr lang="en-US"/>
-          </a:p>
-        </p:txBody>
-      </p:sp>
-    </p:spTree>
-    <p:extLst>
-      <p:ext uri="{BB962C8B-B14F-4D97-AF65-F5344CB8AC3E}">
-        <p14:creationId xmlns:p14="http://schemas.microsoft.com/office/powerpoint/2010/main" val="1403304922"/>
       </p:ext>
     </p:extLst>
   </p:cSld>

--- a/GroupA-presentation.pptx
+++ b/GroupA-presentation.pptx
@@ -9,12 +9,16 @@
     <p:sldId id="257" r:id="rId3"/>
     <p:sldId id="260" r:id="rId4"/>
     <p:sldId id="279" r:id="rId5"/>
-    <p:sldId id="278" r:id="rId6"/>
-    <p:sldId id="281" r:id="rId7"/>
-    <p:sldId id="280" r:id="rId8"/>
-    <p:sldId id="282" r:id="rId9"/>
-    <p:sldId id="276" r:id="rId10"/>
-    <p:sldId id="277" r:id="rId11"/>
+    <p:sldId id="283" r:id="rId6"/>
+    <p:sldId id="284" r:id="rId7"/>
+    <p:sldId id="286" r:id="rId8"/>
+    <p:sldId id="285" r:id="rId9"/>
+    <p:sldId id="278" r:id="rId10"/>
+    <p:sldId id="281" r:id="rId11"/>
+    <p:sldId id="280" r:id="rId12"/>
+    <p:sldId id="282" r:id="rId13"/>
+    <p:sldId id="276" r:id="rId14"/>
+    <p:sldId id="277" r:id="rId15"/>
   </p:sldIdLst>
   <p:sldSz cx="12192000" cy="6858000"/>
   <p:notesSz cx="6858000" cy="9144000"/>
@@ -285,7 +289,7 @@
           <a:p>
             <a:fld id="{32637B58-87C1-446D-BDA9-B06F4BCF7782}" type="datetimeFigureOut">
               <a:rPr lang="en-US" smtClean="0"/>
-              <a:t>1/3/2025</a:t>
+              <a:t>1/7/2025</a:t>
             </a:fld>
             <a:endParaRPr lang="en-US"/>
           </a:p>
@@ -488,7 +492,7 @@
           <a:p>
             <a:fld id="{32637B58-87C1-446D-BDA9-B06F4BCF7782}" type="datetimeFigureOut">
               <a:rPr lang="en-US" smtClean="0"/>
-              <a:t>1/3/2025</a:t>
+              <a:t>1/7/2025</a:t>
             </a:fld>
             <a:endParaRPr lang="en-US"/>
           </a:p>
@@ -696,7 +700,7 @@
           <a:p>
             <a:fld id="{32637B58-87C1-446D-BDA9-B06F4BCF7782}" type="datetimeFigureOut">
               <a:rPr lang="en-US" smtClean="0"/>
-              <a:t>1/3/2025</a:t>
+              <a:t>1/7/2025</a:t>
             </a:fld>
             <a:endParaRPr lang="en-US"/>
           </a:p>
@@ -946,7 +950,7 @@
           <a:p>
             <a:fld id="{32637B58-87C1-446D-BDA9-B06F4BCF7782}" type="datetimeFigureOut">
               <a:rPr lang="en-US" smtClean="0"/>
-              <a:t>1/3/2025</a:t>
+              <a:t>1/7/2025</a:t>
             </a:fld>
             <a:endParaRPr lang="en-US"/>
           </a:p>
@@ -1250,7 +1254,7 @@
           <a:p>
             <a:fld id="{32637B58-87C1-446D-BDA9-B06F4BCF7782}" type="datetimeFigureOut">
               <a:rPr lang="en-US" smtClean="0"/>
-              <a:t>1/3/2025</a:t>
+              <a:t>1/7/2025</a:t>
             </a:fld>
             <a:endParaRPr lang="en-US"/>
           </a:p>
@@ -1517,7 +1521,7 @@
           <a:p>
             <a:fld id="{32637B58-87C1-446D-BDA9-B06F4BCF7782}" type="datetimeFigureOut">
               <a:rPr lang="en-US" smtClean="0"/>
-              <a:t>1/3/2025</a:t>
+              <a:t>1/7/2025</a:t>
             </a:fld>
             <a:endParaRPr lang="en-US"/>
           </a:p>
@@ -1972,7 +1976,7 @@
           <a:p>
             <a:fld id="{32637B58-87C1-446D-BDA9-B06F4BCF7782}" type="datetimeFigureOut">
               <a:rPr lang="en-US" smtClean="0"/>
-              <a:t>1/3/2025</a:t>
+              <a:t>1/7/2025</a:t>
             </a:fld>
             <a:endParaRPr lang="en-US"/>
           </a:p>
@@ -2113,7 +2117,7 @@
           <a:p>
             <a:fld id="{32637B58-87C1-446D-BDA9-B06F4BCF7782}" type="datetimeFigureOut">
               <a:rPr lang="en-US" smtClean="0"/>
-              <a:t>1/3/2025</a:t>
+              <a:t>1/7/2025</a:t>
             </a:fld>
             <a:endParaRPr lang="en-US"/>
           </a:p>
@@ -2226,7 +2230,7 @@
           <a:p>
             <a:fld id="{32637B58-87C1-446D-BDA9-B06F4BCF7782}" type="datetimeFigureOut">
               <a:rPr lang="en-US" smtClean="0"/>
-              <a:t>1/3/2025</a:t>
+              <a:t>1/7/2025</a:t>
             </a:fld>
             <a:endParaRPr lang="en-US"/>
           </a:p>
@@ -2537,7 +2541,7 @@
           <a:p>
             <a:fld id="{32637B58-87C1-446D-BDA9-B06F4BCF7782}" type="datetimeFigureOut">
               <a:rPr lang="en-US" smtClean="0"/>
-              <a:t>1/3/2025</a:t>
+              <a:t>1/7/2025</a:t>
             </a:fld>
             <a:endParaRPr lang="en-US"/>
           </a:p>
@@ -2828,7 +2832,7 @@
           <a:p>
             <a:fld id="{32637B58-87C1-446D-BDA9-B06F4BCF7782}" type="datetimeFigureOut">
               <a:rPr lang="en-US" smtClean="0"/>
-              <a:t>1/3/2025</a:t>
+              <a:t>1/7/2025</a:t>
             </a:fld>
             <a:endParaRPr lang="en-US"/>
           </a:p>
@@ -3239,7 +3243,7 @@
             <a:fld id="{32637B58-87C1-446D-BDA9-B06F4BCF7782}" type="datetimeFigureOut">
               <a:rPr lang="en-US" smtClean="0"/>
               <a:pPr/>
-              <a:t>1/3/2025</a:t>
+              <a:t>1/7/2025</a:t>
             </a:fld>
             <a:endParaRPr lang="en-US" dirty="0"/>
           </a:p>
@@ -3898,6 +3902,439 @@
   <p:cSld>
     <p:spTree>
       <p:nvGrpSpPr>
+        <p:cNvPr id="1" name="">
+          <a:extLst>
+            <a:ext uri="{FF2B5EF4-FFF2-40B4-BE49-F238E27FC236}">
+              <a16:creationId xmlns:a16="http://schemas.microsoft.com/office/drawing/2014/main" id="{9238F1D7-EE7E-3455-733C-4E308796772E}"/>
+            </a:ext>
+          </a:extLst>
+        </p:cNvPr>
+        <p:cNvGrpSpPr/>
+        <p:nvPr/>
+      </p:nvGrpSpPr>
+      <p:grpSpPr>
+        <a:xfrm>
+          <a:off x="0" y="0"/>
+          <a:ext cx="0" cy="0"/>
+          <a:chOff x="0" y="0"/>
+          <a:chExt cx="0" cy="0"/>
+        </a:xfrm>
+      </p:grpSpPr>
+      <p:sp>
+        <p:nvSpPr>
+          <p:cNvPr id="2" name="Title 1">
+            <a:extLst>
+              <a:ext uri="{FF2B5EF4-FFF2-40B4-BE49-F238E27FC236}">
+                <a16:creationId xmlns:a16="http://schemas.microsoft.com/office/drawing/2014/main" id="{73DA8B9E-6130-D1C4-223F-5115E659EB7C}"/>
+              </a:ext>
+            </a:extLst>
+          </p:cNvPr>
+          <p:cNvSpPr>
+            <a:spLocks noGrp="1"/>
+          </p:cNvSpPr>
+          <p:nvPr>
+            <p:ph type="title"/>
+          </p:nvPr>
+        </p:nvSpPr>
+        <p:spPr/>
+        <p:txBody>
+          <a:bodyPr/>
+          <a:lstStyle/>
+          <a:p>
+            <a:r>
+              <a:rPr lang="en-US" dirty="0">
+                <a:latin typeface="Trebuchet MS" panose="020B0603020202020204" pitchFamily="34" charset="0"/>
+              </a:rPr>
+              <a:t>Results</a:t>
+            </a:r>
+          </a:p>
+        </p:txBody>
+      </p:sp>
+      <p:sp>
+        <p:nvSpPr>
+          <p:cNvPr id="3" name="Content Placeholder 2">
+            <a:extLst>
+              <a:ext uri="{FF2B5EF4-FFF2-40B4-BE49-F238E27FC236}">
+                <a16:creationId xmlns:a16="http://schemas.microsoft.com/office/drawing/2014/main" id="{FC607E13-5D85-7B89-57D8-D52A7634453B}"/>
+              </a:ext>
+            </a:extLst>
+          </p:cNvPr>
+          <p:cNvSpPr>
+            <a:spLocks noGrp="1"/>
+          </p:cNvSpPr>
+          <p:nvPr>
+            <p:ph idx="1"/>
+          </p:nvPr>
+        </p:nvSpPr>
+        <p:spPr/>
+        <p:txBody>
+          <a:bodyPr/>
+          <a:lstStyle/>
+          <a:p>
+            <a:r>
+              <a:rPr lang="en-US" dirty="0"/>
+              <a:t>Arbitrary movement for leader</a:t>
+            </a:r>
+          </a:p>
+          <a:p>
+            <a:endParaRPr lang="en-US" dirty="0"/>
+          </a:p>
+          <a:p>
+            <a:r>
+              <a:rPr lang="en-US" dirty="0"/>
+              <a:t>…video</a:t>
+            </a:r>
+          </a:p>
+        </p:txBody>
+      </p:sp>
+    </p:spTree>
+    <p:extLst>
+      <p:ext uri="{BB962C8B-B14F-4D97-AF65-F5344CB8AC3E}">
+        <p14:creationId xmlns:p14="http://schemas.microsoft.com/office/powerpoint/2010/main" val="4012959857"/>
+      </p:ext>
+    </p:extLst>
+  </p:cSld>
+  <p:clrMapOvr>
+    <a:masterClrMapping/>
+  </p:clrMapOvr>
+</p:sld>
+</file>
+
+<file path=ppt/slides/slide11.xml><?xml version="1.0" encoding="utf-8"?>
+<p:sld xmlns:a="http://schemas.openxmlformats.org/drawingml/2006/main" xmlns:r="http://schemas.openxmlformats.org/officeDocument/2006/relationships" xmlns:p="http://schemas.openxmlformats.org/presentationml/2006/main">
+  <p:cSld>
+    <p:spTree>
+      <p:nvGrpSpPr>
+        <p:cNvPr id="1" name="">
+          <a:extLst>
+            <a:ext uri="{FF2B5EF4-FFF2-40B4-BE49-F238E27FC236}">
+              <a16:creationId xmlns:a16="http://schemas.microsoft.com/office/drawing/2014/main" id="{C1D6E782-E566-B3E3-F301-D427CB31128B}"/>
+            </a:ext>
+          </a:extLst>
+        </p:cNvPr>
+        <p:cNvGrpSpPr/>
+        <p:nvPr/>
+      </p:nvGrpSpPr>
+      <p:grpSpPr>
+        <a:xfrm>
+          <a:off x="0" y="0"/>
+          <a:ext cx="0" cy="0"/>
+          <a:chOff x="0" y="0"/>
+          <a:chExt cx="0" cy="0"/>
+        </a:xfrm>
+      </p:grpSpPr>
+      <p:sp>
+        <p:nvSpPr>
+          <p:cNvPr id="2" name="Title 1">
+            <a:extLst>
+              <a:ext uri="{FF2B5EF4-FFF2-40B4-BE49-F238E27FC236}">
+                <a16:creationId xmlns:a16="http://schemas.microsoft.com/office/drawing/2014/main" id="{1FE6C1E6-E6A6-ADAA-F14A-E3D9EA6E60D0}"/>
+              </a:ext>
+            </a:extLst>
+          </p:cNvPr>
+          <p:cNvSpPr>
+            <a:spLocks noGrp="1"/>
+          </p:cNvSpPr>
+          <p:nvPr>
+            <p:ph type="title"/>
+          </p:nvPr>
+        </p:nvSpPr>
+        <p:spPr/>
+        <p:txBody>
+          <a:bodyPr/>
+          <a:lstStyle/>
+          <a:p>
+            <a:r>
+              <a:rPr lang="en-US" dirty="0">
+                <a:latin typeface="Trebuchet MS" panose="020B0603020202020204" pitchFamily="34" charset="0"/>
+              </a:rPr>
+              <a:t>Results</a:t>
+            </a:r>
+          </a:p>
+        </p:txBody>
+      </p:sp>
+      <p:sp>
+        <p:nvSpPr>
+          <p:cNvPr id="3" name="Content Placeholder 2">
+            <a:extLst>
+              <a:ext uri="{FF2B5EF4-FFF2-40B4-BE49-F238E27FC236}">
+                <a16:creationId xmlns:a16="http://schemas.microsoft.com/office/drawing/2014/main" id="{5D9CFBAB-8D3A-49B8-4C89-10F81BC031B2}"/>
+              </a:ext>
+            </a:extLst>
+          </p:cNvPr>
+          <p:cNvSpPr>
+            <a:spLocks noGrp="1"/>
+          </p:cNvSpPr>
+          <p:nvPr>
+            <p:ph idx="1"/>
+          </p:nvPr>
+        </p:nvSpPr>
+        <p:spPr/>
+        <p:txBody>
+          <a:bodyPr/>
+          <a:lstStyle/>
+          <a:p>
+            <a:r>
+              <a:rPr lang="en-US" dirty="0"/>
+              <a:t>User manually controls leader’s movement</a:t>
+            </a:r>
+          </a:p>
+          <a:p>
+            <a:endParaRPr lang="en-US" dirty="0"/>
+          </a:p>
+          <a:p>
+            <a:r>
+              <a:rPr lang="en-US" dirty="0"/>
+              <a:t>…video</a:t>
+            </a:r>
+          </a:p>
+        </p:txBody>
+      </p:sp>
+    </p:spTree>
+    <p:extLst>
+      <p:ext uri="{BB962C8B-B14F-4D97-AF65-F5344CB8AC3E}">
+        <p14:creationId xmlns:p14="http://schemas.microsoft.com/office/powerpoint/2010/main" val="3686370145"/>
+      </p:ext>
+    </p:extLst>
+  </p:cSld>
+  <p:clrMapOvr>
+    <a:masterClrMapping/>
+  </p:clrMapOvr>
+</p:sld>
+</file>
+
+<file path=ppt/slides/slide12.xml><?xml version="1.0" encoding="utf-8"?>
+<p:sld xmlns:a="http://schemas.openxmlformats.org/drawingml/2006/main" xmlns:r="http://schemas.openxmlformats.org/officeDocument/2006/relationships" xmlns:p="http://schemas.openxmlformats.org/presentationml/2006/main">
+  <p:cSld>
+    <p:spTree>
+      <p:nvGrpSpPr>
+        <p:cNvPr id="1" name="">
+          <a:extLst>
+            <a:ext uri="{FF2B5EF4-FFF2-40B4-BE49-F238E27FC236}">
+              <a16:creationId xmlns:a16="http://schemas.microsoft.com/office/drawing/2014/main" id="{E27F8262-C469-B430-19A2-E39472460DBE}"/>
+            </a:ext>
+          </a:extLst>
+        </p:cNvPr>
+        <p:cNvGrpSpPr/>
+        <p:nvPr/>
+      </p:nvGrpSpPr>
+      <p:grpSpPr>
+        <a:xfrm>
+          <a:off x="0" y="0"/>
+          <a:ext cx="0" cy="0"/>
+          <a:chOff x="0" y="0"/>
+          <a:chExt cx="0" cy="0"/>
+        </a:xfrm>
+      </p:grpSpPr>
+      <p:sp>
+        <p:nvSpPr>
+          <p:cNvPr id="2" name="Title 1">
+            <a:extLst>
+              <a:ext uri="{FF2B5EF4-FFF2-40B4-BE49-F238E27FC236}">
+                <a16:creationId xmlns:a16="http://schemas.microsoft.com/office/drawing/2014/main" id="{C8D971A7-C046-479B-8FC0-8047EE053FAB}"/>
+              </a:ext>
+            </a:extLst>
+          </p:cNvPr>
+          <p:cNvSpPr>
+            <a:spLocks noGrp="1"/>
+          </p:cNvSpPr>
+          <p:nvPr>
+            <p:ph type="title"/>
+          </p:nvPr>
+        </p:nvSpPr>
+        <p:spPr/>
+        <p:txBody>
+          <a:bodyPr/>
+          <a:lstStyle/>
+          <a:p>
+            <a:r>
+              <a:rPr lang="en-US" dirty="0">
+                <a:latin typeface="Trebuchet MS" panose="020B0603020202020204" pitchFamily="34" charset="0"/>
+              </a:rPr>
+              <a:t>Results</a:t>
+            </a:r>
+          </a:p>
+        </p:txBody>
+      </p:sp>
+      <p:sp>
+        <p:nvSpPr>
+          <p:cNvPr id="3" name="Content Placeholder 2">
+            <a:extLst>
+              <a:ext uri="{FF2B5EF4-FFF2-40B4-BE49-F238E27FC236}">
+                <a16:creationId xmlns:a16="http://schemas.microsoft.com/office/drawing/2014/main" id="{0CCA4659-2BEC-2986-981D-A4232C99F0E8}"/>
+              </a:ext>
+            </a:extLst>
+          </p:cNvPr>
+          <p:cNvSpPr>
+            <a:spLocks noGrp="1"/>
+          </p:cNvSpPr>
+          <p:nvPr>
+            <p:ph idx="1"/>
+          </p:nvPr>
+        </p:nvSpPr>
+        <p:spPr/>
+        <p:txBody>
+          <a:bodyPr/>
+          <a:lstStyle/>
+          <a:p>
+            <a:r>
+              <a:rPr lang="en-US" dirty="0"/>
+              <a:t>Leader hierarchy</a:t>
+            </a:r>
+          </a:p>
+        </p:txBody>
+      </p:sp>
+    </p:spTree>
+    <p:extLst>
+      <p:ext uri="{BB962C8B-B14F-4D97-AF65-F5344CB8AC3E}">
+        <p14:creationId xmlns:p14="http://schemas.microsoft.com/office/powerpoint/2010/main" val="3898129426"/>
+      </p:ext>
+    </p:extLst>
+  </p:cSld>
+  <p:clrMapOvr>
+    <a:masterClrMapping/>
+  </p:clrMapOvr>
+</p:sld>
+</file>
+
+<file path=ppt/slides/slide13.xml><?xml version="1.0" encoding="utf-8"?>
+<p:sld xmlns:a="http://schemas.openxmlformats.org/drawingml/2006/main" xmlns:r="http://schemas.openxmlformats.org/officeDocument/2006/relationships" xmlns:p="http://schemas.openxmlformats.org/presentationml/2006/main">
+  <p:cSld>
+    <p:spTree>
+      <p:nvGrpSpPr>
+        <p:cNvPr id="1" name=""/>
+        <p:cNvGrpSpPr/>
+        <p:nvPr/>
+      </p:nvGrpSpPr>
+      <p:grpSpPr>
+        <a:xfrm>
+          <a:off x="0" y="0"/>
+          <a:ext cx="0" cy="0"/>
+          <a:chOff x="0" y="0"/>
+          <a:chExt cx="0" cy="0"/>
+        </a:xfrm>
+      </p:grpSpPr>
+      <p:sp>
+        <p:nvSpPr>
+          <p:cNvPr id="2" name="Title 1">
+            <a:extLst>
+              <a:ext uri="{FF2B5EF4-FFF2-40B4-BE49-F238E27FC236}">
+                <a16:creationId xmlns:a16="http://schemas.microsoft.com/office/drawing/2014/main" id="{81317C58-0845-8D21-93CE-3A72E035F6EF}"/>
+              </a:ext>
+            </a:extLst>
+          </p:cNvPr>
+          <p:cNvSpPr>
+            <a:spLocks noGrp="1"/>
+          </p:cNvSpPr>
+          <p:nvPr>
+            <p:ph type="title"/>
+          </p:nvPr>
+        </p:nvSpPr>
+        <p:spPr/>
+        <p:txBody>
+          <a:bodyPr/>
+          <a:lstStyle/>
+          <a:p>
+            <a:r>
+              <a:rPr lang="en-US" dirty="0">
+                <a:latin typeface="Trebuchet MS" panose="020B0603020202020204" pitchFamily="34" charset="0"/>
+              </a:rPr>
+              <a:t>Conclusions</a:t>
+            </a:r>
+          </a:p>
+        </p:txBody>
+      </p:sp>
+      <p:sp>
+        <p:nvSpPr>
+          <p:cNvPr id="3" name="Content Placeholder 2">
+            <a:extLst>
+              <a:ext uri="{FF2B5EF4-FFF2-40B4-BE49-F238E27FC236}">
+                <a16:creationId xmlns:a16="http://schemas.microsoft.com/office/drawing/2014/main" id="{C5837ED5-5CC5-5376-C0A8-FC9F5A5B8CA9}"/>
+              </a:ext>
+            </a:extLst>
+          </p:cNvPr>
+          <p:cNvSpPr>
+            <a:spLocks noGrp="1"/>
+          </p:cNvSpPr>
+          <p:nvPr>
+            <p:ph idx="1"/>
+          </p:nvPr>
+        </p:nvSpPr>
+        <p:spPr/>
+        <p:txBody>
+          <a:bodyPr/>
+          <a:lstStyle/>
+          <a:p>
+            <a:r>
+              <a:rPr lang="en-US" dirty="0"/>
+              <a:t>Main goals were achieved</a:t>
+            </a:r>
+          </a:p>
+          <a:p>
+            <a:r>
+              <a:rPr lang="en-US" dirty="0"/>
+              <a:t>Unexpected </a:t>
+            </a:r>
+            <a:r>
+              <a:rPr lang="en-US" dirty="0" err="1"/>
+              <a:t>behaviours</a:t>
+            </a:r>
+            <a:r>
+              <a:rPr lang="en-US" dirty="0"/>
+              <a:t> emerged, but were successfully corrected</a:t>
+            </a:r>
+          </a:p>
+          <a:p>
+            <a:r>
+              <a:rPr lang="en-US" dirty="0"/>
+              <a:t>Future work:</a:t>
+            </a:r>
+          </a:p>
+          <a:p>
+            <a:pPr lvl="1"/>
+            <a:r>
+              <a:rPr lang="en-US" dirty="0"/>
+              <a:t>Increase map accuracy (include parks, statues, etc.)</a:t>
+            </a:r>
+          </a:p>
+          <a:p>
+            <a:pPr lvl="1"/>
+            <a:r>
+              <a:rPr lang="en-US" dirty="0"/>
+              <a:t>Train police agents to create optimal formations</a:t>
+            </a:r>
+          </a:p>
+          <a:p>
+            <a:pPr lvl="1"/>
+            <a:r>
+              <a:rPr lang="en-US" dirty="0"/>
+              <a:t>Introduce uncertainty into vision</a:t>
+            </a:r>
+          </a:p>
+          <a:p>
+            <a:pPr lvl="1"/>
+            <a:endParaRPr lang="en-US" dirty="0"/>
+          </a:p>
+        </p:txBody>
+      </p:sp>
+    </p:spTree>
+    <p:extLst>
+      <p:ext uri="{BB962C8B-B14F-4D97-AF65-F5344CB8AC3E}">
+        <p14:creationId xmlns:p14="http://schemas.microsoft.com/office/powerpoint/2010/main" val="1742204147"/>
+      </p:ext>
+    </p:extLst>
+  </p:cSld>
+  <p:clrMapOvr>
+    <a:masterClrMapping/>
+  </p:clrMapOvr>
+</p:sld>
+</file>
+
+<file path=ppt/slides/slide14.xml><?xml version="1.0" encoding="utf-8"?>
+<p:sld xmlns:a="http://schemas.openxmlformats.org/drawingml/2006/main" xmlns:r="http://schemas.openxmlformats.org/officeDocument/2006/relationships" xmlns:p="http://schemas.openxmlformats.org/presentationml/2006/main">
+  <p:cSld>
+    <p:spTree>
+      <p:nvGrpSpPr>
         <p:cNvPr id="1" name=""/>
         <p:cNvGrpSpPr/>
         <p:nvPr/>
@@ -4048,19 +4485,25 @@
           <a:p>
             <a:r>
               <a:rPr lang="en-US" dirty="0"/>
-              <a:t>Overview, related work</a:t>
+              <a:t>Ideas and motivation</a:t>
             </a:r>
           </a:p>
           <a:p>
             <a:r>
               <a:rPr lang="en-US" dirty="0"/>
-              <a:t>Methods</a:t>
+              <a:t>Overview of related work</a:t>
             </a:r>
           </a:p>
           <a:p>
             <a:r>
               <a:rPr lang="en-US" dirty="0"/>
-              <a:t>Experiments</a:t>
+              <a:t>Methods and crucial implementation details</a:t>
+            </a:r>
+          </a:p>
+          <a:p>
+            <a:r>
+              <a:rPr lang="en-US" dirty="0"/>
+              <a:t>Experiments and observations</a:t>
             </a:r>
           </a:p>
           <a:p>
@@ -4154,18 +4597,27 @@
           <a:p>
             <a:r>
               <a:rPr lang="en-US" dirty="0"/>
-              <a:t>Create believable human group </a:t>
+              <a:t>Create believable crowd </a:t>
             </a:r>
             <a:r>
               <a:rPr lang="en-US" dirty="0" err="1"/>
               <a:t>behaviour</a:t>
             </a:r>
-            <a:endParaRPr lang="en-US" dirty="0"/>
-          </a:p>
-          <a:p>
             <a:r>
               <a:rPr lang="en-US" dirty="0"/>
-              <a:t>Give user the option to control leader and to place police agents as barricades anywhere on the map</a:t>
+              <a:t> with multiple subgroups</a:t>
+            </a:r>
+          </a:p>
+          <a:p>
+            <a:r>
+              <a:rPr lang="en-US" dirty="0"/>
+              <a:t>Simulate the emergence of a leader during a protest</a:t>
+            </a:r>
+          </a:p>
+          <a:p>
+            <a:r>
+              <a:rPr lang="en-US" dirty="0"/>
+              <a:t>Give user the option to place police agents as barricades anywhere on the map</a:t>
             </a:r>
           </a:p>
           <a:p>
@@ -4295,7 +4747,7 @@
               <a:rPr lang="en-US" dirty="0">
                 <a:latin typeface="Trebuchet MS" panose="020B0603020202020204" pitchFamily="34" charset="0"/>
               </a:rPr>
-              <a:t>Methods</a:t>
+              <a:t>Subgroups</a:t>
             </a:r>
           </a:p>
         </p:txBody>
@@ -4323,34 +4775,44 @@
           <a:p>
             <a:r>
               <a:rPr lang="en-US" dirty="0"/>
-              <a:t>Basic flocking algorithm</a:t>
-            </a:r>
-          </a:p>
-          <a:p>
+              <a:t>Main division:</a:t>
+            </a:r>
+          </a:p>
+          <a:p>
+            <a:pPr lvl="1"/>
             <a:r>
               <a:rPr lang="en-US" dirty="0"/>
-              <a:t>Topological map</a:t>
-            </a:r>
-          </a:p>
-          <a:p>
+              <a:t>Active protesters</a:t>
+            </a:r>
+          </a:p>
+          <a:p>
+            <a:pPr lvl="1"/>
             <a:r>
               <a:rPr lang="en-US" dirty="0"/>
-              <a:t>Social Crowd Simulation – steering dynamics (collision avoidance, wall repulsion</a:t>
-            </a:r>
-            <a:r>
-              <a:rPr lang="en-US"/>
-              <a:t>, etc.)</a:t>
-            </a:r>
+              <a:t>Bystanders</a:t>
+            </a:r>
+          </a:p>
+          <a:p>
+            <a:pPr lvl="1"/>
+            <a:r>
+              <a:rPr lang="en-US" dirty="0"/>
+              <a:t>Leader</a:t>
+            </a:r>
+          </a:p>
+          <a:p>
             <a:endParaRPr lang="en-US" dirty="0"/>
           </a:p>
           <a:p>
             <a:r>
               <a:rPr lang="en-US" dirty="0"/>
-              <a:t>Division of agents into subgroups, levels of aggression</a:t>
-            </a:r>
-          </a:p>
-          <a:p>
-            <a:endParaRPr lang="en-US" dirty="0"/>
+              <a:t>Additional indexing for the purposes of leader hierarchy</a:t>
+            </a:r>
+          </a:p>
+          <a:p>
+            <a:r>
+              <a:rPr lang="en-US" dirty="0"/>
+              <a:t>Static police agents added during runtime as obstacles for the other agents</a:t>
+            </a:r>
           </a:p>
         </p:txBody>
       </p:sp>
@@ -4368,6 +4830,505 @@
 </file>
 
 <file path=ppt/slides/slide5.xml><?xml version="1.0" encoding="utf-8"?>
+<p:sld xmlns:a="http://schemas.openxmlformats.org/drawingml/2006/main" xmlns:r="http://schemas.openxmlformats.org/officeDocument/2006/relationships" xmlns:p="http://schemas.openxmlformats.org/presentationml/2006/main">
+  <p:cSld>
+    <p:spTree>
+      <p:nvGrpSpPr>
+        <p:cNvPr id="1" name="">
+          <a:extLst>
+            <a:ext uri="{FF2B5EF4-FFF2-40B4-BE49-F238E27FC236}">
+              <a16:creationId xmlns:a16="http://schemas.microsoft.com/office/drawing/2014/main" id="{7C8537E2-41D9-9B10-7B4D-730569930CDE}"/>
+            </a:ext>
+          </a:extLst>
+        </p:cNvPr>
+        <p:cNvGrpSpPr/>
+        <p:nvPr/>
+      </p:nvGrpSpPr>
+      <p:grpSpPr>
+        <a:xfrm>
+          <a:off x="0" y="0"/>
+          <a:ext cx="0" cy="0"/>
+          <a:chOff x="0" y="0"/>
+          <a:chExt cx="0" cy="0"/>
+        </a:xfrm>
+      </p:grpSpPr>
+      <p:sp>
+        <p:nvSpPr>
+          <p:cNvPr id="2" name="Title 1">
+            <a:extLst>
+              <a:ext uri="{FF2B5EF4-FFF2-40B4-BE49-F238E27FC236}">
+                <a16:creationId xmlns:a16="http://schemas.microsoft.com/office/drawing/2014/main" id="{F0D47C67-ACDA-F7A8-0596-903EE2CA3B64}"/>
+              </a:ext>
+            </a:extLst>
+          </p:cNvPr>
+          <p:cNvSpPr>
+            <a:spLocks noGrp="1"/>
+          </p:cNvSpPr>
+          <p:nvPr>
+            <p:ph type="title"/>
+          </p:nvPr>
+        </p:nvSpPr>
+        <p:spPr/>
+        <p:txBody>
+          <a:bodyPr/>
+          <a:lstStyle/>
+          <a:p>
+            <a:r>
+              <a:rPr lang="en-US" dirty="0">
+                <a:latin typeface="Trebuchet MS" panose="020B0603020202020204" pitchFamily="34" charset="0"/>
+              </a:rPr>
+              <a:t>Vision</a:t>
+            </a:r>
+          </a:p>
+        </p:txBody>
+      </p:sp>
+      <p:sp>
+        <p:nvSpPr>
+          <p:cNvPr id="3" name="Content Placeholder 2">
+            <a:extLst>
+              <a:ext uri="{FF2B5EF4-FFF2-40B4-BE49-F238E27FC236}">
+                <a16:creationId xmlns:a16="http://schemas.microsoft.com/office/drawing/2014/main" id="{395F3E08-58E7-E0C3-03CF-AB78CF7B6972}"/>
+              </a:ext>
+            </a:extLst>
+          </p:cNvPr>
+          <p:cNvSpPr>
+            <a:spLocks noGrp="1"/>
+          </p:cNvSpPr>
+          <p:nvPr>
+            <p:ph idx="1"/>
+          </p:nvPr>
+        </p:nvSpPr>
+        <p:spPr/>
+        <p:txBody>
+          <a:bodyPr/>
+          <a:lstStyle/>
+          <a:p>
+            <a:r>
+              <a:rPr lang="en-US" dirty="0"/>
+              <a:t>Divided into field of view and </a:t>
+            </a:r>
+            <a:r>
+              <a:rPr lang="en-US" dirty="0" err="1"/>
+              <a:t>peripersonal</a:t>
+            </a:r>
+            <a:r>
+              <a:rPr lang="en-US" dirty="0"/>
+              <a:t> space</a:t>
+            </a:r>
+          </a:p>
+          <a:p>
+            <a:r>
+              <a:rPr lang="en-US" dirty="0"/>
+              <a:t>Look around function for various purposes</a:t>
+            </a:r>
+          </a:p>
+        </p:txBody>
+      </p:sp>
+      <p:pic>
+        <p:nvPicPr>
+          <p:cNvPr id="5" name="Picture 4" descr="A red and yellow lines with a green line&#10;&#10;Description automatically generated">
+            <a:extLst>
+              <a:ext uri="{FF2B5EF4-FFF2-40B4-BE49-F238E27FC236}">
+                <a16:creationId xmlns:a16="http://schemas.microsoft.com/office/drawing/2014/main" id="{A629D9C6-28E6-7AC6-7FE4-0467AED79BA0}"/>
+              </a:ext>
+            </a:extLst>
+          </p:cNvPr>
+          <p:cNvPicPr>
+            <a:picLocks noChangeAspect="1"/>
+          </p:cNvPicPr>
+          <p:nvPr/>
+        </p:nvPicPr>
+        <p:blipFill>
+          <a:blip r:embed="rId2">
+            <a:extLst>
+              <a:ext uri="{28A0092B-C50C-407E-A947-70E740481C1C}">
+                <a14:useLocalDpi xmlns:a14="http://schemas.microsoft.com/office/drawing/2010/main" val="0"/>
+              </a:ext>
+            </a:extLst>
+          </a:blip>
+          <a:stretch>
+            <a:fillRect/>
+          </a:stretch>
+        </p:blipFill>
+        <p:spPr>
+          <a:xfrm>
+            <a:off x="3973578" y="3039437"/>
+            <a:ext cx="5353797" cy="3639058"/>
+          </a:xfrm>
+          <a:prstGeom prst="rect">
+            <a:avLst/>
+          </a:prstGeom>
+        </p:spPr>
+      </p:pic>
+    </p:spTree>
+    <p:extLst>
+      <p:ext uri="{BB962C8B-B14F-4D97-AF65-F5344CB8AC3E}">
+        <p14:creationId xmlns:p14="http://schemas.microsoft.com/office/powerpoint/2010/main" val="3900076609"/>
+      </p:ext>
+    </p:extLst>
+  </p:cSld>
+  <p:clrMapOvr>
+    <a:masterClrMapping/>
+  </p:clrMapOvr>
+</p:sld>
+</file>
+
+<file path=ppt/slides/slide6.xml><?xml version="1.0" encoding="utf-8"?>
+<p:sld xmlns:a="http://schemas.openxmlformats.org/drawingml/2006/main" xmlns:r="http://schemas.openxmlformats.org/officeDocument/2006/relationships" xmlns:p="http://schemas.openxmlformats.org/presentationml/2006/main">
+  <p:cSld>
+    <p:spTree>
+      <p:nvGrpSpPr>
+        <p:cNvPr id="1" name="">
+          <a:extLst>
+            <a:ext uri="{FF2B5EF4-FFF2-40B4-BE49-F238E27FC236}">
+              <a16:creationId xmlns:a16="http://schemas.microsoft.com/office/drawing/2014/main" id="{CA31E18F-AB09-8A1C-D718-9C56A20D27B9}"/>
+            </a:ext>
+          </a:extLst>
+        </p:cNvPr>
+        <p:cNvGrpSpPr/>
+        <p:nvPr/>
+      </p:nvGrpSpPr>
+      <p:grpSpPr>
+        <a:xfrm>
+          <a:off x="0" y="0"/>
+          <a:ext cx="0" cy="0"/>
+          <a:chOff x="0" y="0"/>
+          <a:chExt cx="0" cy="0"/>
+        </a:xfrm>
+      </p:grpSpPr>
+      <p:sp>
+        <p:nvSpPr>
+          <p:cNvPr id="2" name="Title 1">
+            <a:extLst>
+              <a:ext uri="{FF2B5EF4-FFF2-40B4-BE49-F238E27FC236}">
+                <a16:creationId xmlns:a16="http://schemas.microsoft.com/office/drawing/2014/main" id="{250505E6-C858-F259-AC04-65A10D0087C2}"/>
+              </a:ext>
+            </a:extLst>
+          </p:cNvPr>
+          <p:cNvSpPr>
+            <a:spLocks noGrp="1"/>
+          </p:cNvSpPr>
+          <p:nvPr>
+            <p:ph type="title"/>
+          </p:nvPr>
+        </p:nvSpPr>
+        <p:spPr/>
+        <p:txBody>
+          <a:bodyPr/>
+          <a:lstStyle/>
+          <a:p>
+            <a:r>
+              <a:rPr lang="en-US" dirty="0">
+                <a:latin typeface="Trebuchet MS" panose="020B0603020202020204" pitchFamily="34" charset="0"/>
+              </a:rPr>
+              <a:t>Movement</a:t>
+            </a:r>
+          </a:p>
+        </p:txBody>
+      </p:sp>
+      <p:sp>
+        <p:nvSpPr>
+          <p:cNvPr id="3" name="Content Placeholder 2">
+            <a:extLst>
+              <a:ext uri="{FF2B5EF4-FFF2-40B4-BE49-F238E27FC236}">
+                <a16:creationId xmlns:a16="http://schemas.microsoft.com/office/drawing/2014/main" id="{5458E28F-A2E2-FDAB-4F28-535E7A0AF2AF}"/>
+              </a:ext>
+            </a:extLst>
+          </p:cNvPr>
+          <p:cNvSpPr>
+            <a:spLocks noGrp="1"/>
+          </p:cNvSpPr>
+          <p:nvPr>
+            <p:ph idx="1"/>
+          </p:nvPr>
+        </p:nvSpPr>
+        <p:spPr/>
+        <p:txBody>
+          <a:bodyPr/>
+          <a:lstStyle/>
+          <a:p>
+            <a:r>
+              <a:rPr lang="en-US" dirty="0"/>
+              <a:t>Two main states: standing still and in-motion</a:t>
+            </a:r>
+          </a:p>
+          <a:p>
+            <a:r>
+              <a:rPr lang="en-US" dirty="0"/>
+              <a:t>End-Position-Seeking-</a:t>
+            </a:r>
+            <a:r>
+              <a:rPr lang="en-US" dirty="0" err="1"/>
+              <a:t>Behaviour</a:t>
+            </a:r>
+            <a:endParaRPr lang="en-US" dirty="0"/>
+          </a:p>
+          <a:p>
+            <a:r>
+              <a:rPr lang="en-US" dirty="0"/>
+              <a:t>Wall avoidance, collision avoidance</a:t>
+            </a:r>
+          </a:p>
+          <a:p>
+            <a:endParaRPr lang="en-US" dirty="0"/>
+          </a:p>
+        </p:txBody>
+      </p:sp>
+    </p:spTree>
+    <p:extLst>
+      <p:ext uri="{BB962C8B-B14F-4D97-AF65-F5344CB8AC3E}">
+        <p14:creationId xmlns:p14="http://schemas.microsoft.com/office/powerpoint/2010/main" val="1540519086"/>
+      </p:ext>
+    </p:extLst>
+  </p:cSld>
+  <p:clrMapOvr>
+    <a:masterClrMapping/>
+  </p:clrMapOvr>
+</p:sld>
+</file>
+
+<file path=ppt/slides/slide7.xml><?xml version="1.0" encoding="utf-8"?>
+<p:sld xmlns:a="http://schemas.openxmlformats.org/drawingml/2006/main" xmlns:r="http://schemas.openxmlformats.org/officeDocument/2006/relationships" xmlns:p="http://schemas.openxmlformats.org/presentationml/2006/main">
+  <p:cSld>
+    <p:spTree>
+      <p:nvGrpSpPr>
+        <p:cNvPr id="1" name="">
+          <a:extLst>
+            <a:ext uri="{FF2B5EF4-FFF2-40B4-BE49-F238E27FC236}">
+              <a16:creationId xmlns:a16="http://schemas.microsoft.com/office/drawing/2014/main" id="{744514F2-13AF-AC3E-3748-F6D37BE02C31}"/>
+            </a:ext>
+          </a:extLst>
+        </p:cNvPr>
+        <p:cNvGrpSpPr/>
+        <p:nvPr/>
+      </p:nvGrpSpPr>
+      <p:grpSpPr>
+        <a:xfrm>
+          <a:off x="0" y="0"/>
+          <a:ext cx="0" cy="0"/>
+          <a:chOff x="0" y="0"/>
+          <a:chExt cx="0" cy="0"/>
+        </a:xfrm>
+      </p:grpSpPr>
+      <p:sp>
+        <p:nvSpPr>
+          <p:cNvPr id="2" name="Title 1">
+            <a:extLst>
+              <a:ext uri="{FF2B5EF4-FFF2-40B4-BE49-F238E27FC236}">
+                <a16:creationId xmlns:a16="http://schemas.microsoft.com/office/drawing/2014/main" id="{7EF5579C-4879-E543-AF70-627169110CB1}"/>
+              </a:ext>
+            </a:extLst>
+          </p:cNvPr>
+          <p:cNvSpPr>
+            <a:spLocks noGrp="1"/>
+          </p:cNvSpPr>
+          <p:nvPr>
+            <p:ph type="title"/>
+          </p:nvPr>
+        </p:nvSpPr>
+        <p:spPr/>
+        <p:txBody>
+          <a:bodyPr/>
+          <a:lstStyle/>
+          <a:p>
+            <a:r>
+              <a:rPr lang="en-US" dirty="0">
+                <a:latin typeface="Trebuchet MS" panose="020B0603020202020204" pitchFamily="34" charset="0"/>
+              </a:rPr>
+              <a:t>Leader following and hierarchy</a:t>
+            </a:r>
+          </a:p>
+        </p:txBody>
+      </p:sp>
+      <p:sp>
+        <p:nvSpPr>
+          <p:cNvPr id="3" name="Content Placeholder 2">
+            <a:extLst>
+              <a:ext uri="{FF2B5EF4-FFF2-40B4-BE49-F238E27FC236}">
+                <a16:creationId xmlns:a16="http://schemas.microsoft.com/office/drawing/2014/main" id="{5302B8FD-82F1-BB47-5BD2-B045133F4E3A}"/>
+              </a:ext>
+            </a:extLst>
+          </p:cNvPr>
+          <p:cNvSpPr>
+            <a:spLocks noGrp="1"/>
+          </p:cNvSpPr>
+          <p:nvPr>
+            <p:ph idx="1"/>
+          </p:nvPr>
+        </p:nvSpPr>
+        <p:spPr/>
+        <p:txBody>
+          <a:bodyPr/>
+          <a:lstStyle/>
+          <a:p>
+            <a:r>
+              <a:rPr lang="en-US" dirty="0"/>
+              <a:t>Leader identification</a:t>
+            </a:r>
+          </a:p>
+          <a:p>
+            <a:r>
+              <a:rPr lang="en-US" dirty="0"/>
+              <a:t>Herd mentality for the purpose of following</a:t>
+            </a:r>
+          </a:p>
+          <a:p>
+            <a:r>
+              <a:rPr lang="en-US" dirty="0"/>
+              <a:t>Hierarchy of followers and local leaders</a:t>
+            </a:r>
+          </a:p>
+          <a:p>
+            <a:r>
+              <a:rPr lang="en-US" dirty="0"/>
+              <a:t>Leader </a:t>
+            </a:r>
+            <a:r>
+              <a:rPr lang="en-US" dirty="0" err="1"/>
+              <a:t>unidentification</a:t>
+            </a:r>
+            <a:r>
+              <a:rPr lang="en-US" dirty="0"/>
+              <a:t> and eventual herd dispersal</a:t>
+            </a:r>
+          </a:p>
+          <a:p>
+            <a:endParaRPr lang="en-US" dirty="0"/>
+          </a:p>
+          <a:p>
+            <a:endParaRPr lang="en-US" dirty="0"/>
+          </a:p>
+        </p:txBody>
+      </p:sp>
+    </p:spTree>
+    <p:extLst>
+      <p:ext uri="{BB962C8B-B14F-4D97-AF65-F5344CB8AC3E}">
+        <p14:creationId xmlns:p14="http://schemas.microsoft.com/office/powerpoint/2010/main" val="706480577"/>
+      </p:ext>
+    </p:extLst>
+  </p:cSld>
+  <p:clrMapOvr>
+    <a:masterClrMapping/>
+  </p:clrMapOvr>
+</p:sld>
+</file>
+
+<file path=ppt/slides/slide8.xml><?xml version="1.0" encoding="utf-8"?>
+<p:sld xmlns:a="http://schemas.openxmlformats.org/drawingml/2006/main" xmlns:r="http://schemas.openxmlformats.org/officeDocument/2006/relationships" xmlns:p="http://schemas.openxmlformats.org/presentationml/2006/main">
+  <p:cSld>
+    <p:spTree>
+      <p:nvGrpSpPr>
+        <p:cNvPr id="1" name="">
+          <a:extLst>
+            <a:ext uri="{FF2B5EF4-FFF2-40B4-BE49-F238E27FC236}">
+              <a16:creationId xmlns:a16="http://schemas.microsoft.com/office/drawing/2014/main" id="{56A4A2F8-7899-A06C-F1BF-570648E02461}"/>
+            </a:ext>
+          </a:extLst>
+        </p:cNvPr>
+        <p:cNvGrpSpPr/>
+        <p:nvPr/>
+      </p:nvGrpSpPr>
+      <p:grpSpPr>
+        <a:xfrm>
+          <a:off x="0" y="0"/>
+          <a:ext cx="0" cy="0"/>
+          <a:chOff x="0" y="0"/>
+          <a:chExt cx="0" cy="0"/>
+        </a:xfrm>
+      </p:grpSpPr>
+      <p:sp>
+        <p:nvSpPr>
+          <p:cNvPr id="2" name="Title 1">
+            <a:extLst>
+              <a:ext uri="{FF2B5EF4-FFF2-40B4-BE49-F238E27FC236}">
+                <a16:creationId xmlns:a16="http://schemas.microsoft.com/office/drawing/2014/main" id="{AE05C0CC-BA91-DEEE-DED6-634F14B2E1A4}"/>
+              </a:ext>
+            </a:extLst>
+          </p:cNvPr>
+          <p:cNvSpPr>
+            <a:spLocks noGrp="1"/>
+          </p:cNvSpPr>
+          <p:nvPr>
+            <p:ph type="title"/>
+          </p:nvPr>
+        </p:nvSpPr>
+        <p:spPr/>
+        <p:txBody>
+          <a:bodyPr/>
+          <a:lstStyle/>
+          <a:p>
+            <a:r>
+              <a:rPr lang="en-US" dirty="0">
+                <a:latin typeface="Trebuchet MS" panose="020B0603020202020204" pitchFamily="34" charset="0"/>
+              </a:rPr>
+              <a:t>Emotional contagion</a:t>
+            </a:r>
+          </a:p>
+        </p:txBody>
+      </p:sp>
+      <p:sp>
+        <p:nvSpPr>
+          <p:cNvPr id="3" name="Content Placeholder 2">
+            <a:extLst>
+              <a:ext uri="{FF2B5EF4-FFF2-40B4-BE49-F238E27FC236}">
+                <a16:creationId xmlns:a16="http://schemas.microsoft.com/office/drawing/2014/main" id="{F1646B5F-B09F-A7F7-2363-69CE4C99F1E0}"/>
+              </a:ext>
+            </a:extLst>
+          </p:cNvPr>
+          <p:cNvSpPr>
+            <a:spLocks noGrp="1"/>
+          </p:cNvSpPr>
+          <p:nvPr>
+            <p:ph idx="1"/>
+          </p:nvPr>
+        </p:nvSpPr>
+        <p:spPr/>
+        <p:txBody>
+          <a:bodyPr/>
+          <a:lstStyle/>
+          <a:p>
+            <a:r>
+              <a:rPr lang="en-US" dirty="0"/>
+              <a:t>Idea: simulate internal forces in humans</a:t>
+            </a:r>
+          </a:p>
+          <a:p>
+            <a:r>
+              <a:rPr lang="en-US" dirty="0"/>
+              <a:t>Two parameters: defection and recruitment + temporal component</a:t>
+            </a:r>
+          </a:p>
+          <a:p>
+            <a:r>
+              <a:rPr lang="en-US" dirty="0"/>
+              <a:t>Agents occasionally change state between protester and bystander</a:t>
+            </a:r>
+          </a:p>
+          <a:p>
+            <a:r>
+              <a:rPr lang="en-US" dirty="0"/>
+              <a:t>Change should depend on agent’s surroundings, but also have an element of randomness</a:t>
+            </a:r>
+          </a:p>
+          <a:p>
+            <a:endParaRPr lang="en-US" dirty="0"/>
+          </a:p>
+        </p:txBody>
+      </p:sp>
+    </p:spTree>
+    <p:extLst>
+      <p:ext uri="{BB962C8B-B14F-4D97-AF65-F5344CB8AC3E}">
+        <p14:creationId xmlns:p14="http://schemas.microsoft.com/office/powerpoint/2010/main" val="3489274099"/>
+      </p:ext>
+    </p:extLst>
+  </p:cSld>
+  <p:clrMapOvr>
+    <a:masterClrMapping/>
+  </p:clrMapOvr>
+</p:sld>
+</file>
+
+<file path=ppt/slides/slide9.xml><?xml version="1.0" encoding="utf-8"?>
 <p:sld xmlns:a="http://schemas.openxmlformats.org/drawingml/2006/main" xmlns:r="http://schemas.openxmlformats.org/officeDocument/2006/relationships" xmlns:p="http://schemas.openxmlformats.org/presentationml/2006/main">
   <p:cSld>
     <p:spTree>
@@ -4443,7 +5404,7 @@
           <a:p>
             <a:r>
               <a:rPr lang="en-US" dirty="0"/>
-              <a:t>End-position-seeking-</a:t>
+              <a:t>Effects of End-position-seeking-</a:t>
             </a:r>
             <a:r>
               <a:rPr lang="en-US" dirty="0" err="1"/>
@@ -4458,10 +5419,10 @@
       </p:sp>
       <p:pic>
         <p:nvPicPr>
-          <p:cNvPr id="5" name="Picture 4">
-            <a:extLst>
-              <a:ext uri="{FF2B5EF4-FFF2-40B4-BE49-F238E27FC236}">
-                <a16:creationId xmlns:a16="http://schemas.microsoft.com/office/drawing/2014/main" id="{A36D0F5A-A549-72B7-4DAF-92662CD3D45E}"/>
+          <p:cNvPr id="6" name="Picture 5">
+            <a:extLst>
+              <a:ext uri="{FF2B5EF4-FFF2-40B4-BE49-F238E27FC236}">
+                <a16:creationId xmlns:a16="http://schemas.microsoft.com/office/drawing/2014/main" id="{9A951776-7EC4-61B6-F662-FFC1DAE8E091}"/>
               </a:ext>
             </a:extLst>
           </p:cNvPr>
@@ -4478,8 +5439,8 @@
         </p:blipFill>
         <p:spPr>
           <a:xfrm>
-            <a:off x="584466" y="2497577"/>
-            <a:ext cx="11439525" cy="4162425"/>
+            <a:off x="0" y="2649758"/>
+            <a:ext cx="12192000" cy="4048763"/>
           </a:xfrm>
           <a:prstGeom prst="rect">
             <a:avLst/>
@@ -4490,434 +5451,6 @@
     <p:extLst>
       <p:ext uri="{BB962C8B-B14F-4D97-AF65-F5344CB8AC3E}">
         <p14:creationId xmlns:p14="http://schemas.microsoft.com/office/powerpoint/2010/main" val="1324369122"/>
-      </p:ext>
-    </p:extLst>
-  </p:cSld>
-  <p:clrMapOvr>
-    <a:masterClrMapping/>
-  </p:clrMapOvr>
-</p:sld>
-</file>
-
-<file path=ppt/slides/slide6.xml><?xml version="1.0" encoding="utf-8"?>
-<p:sld xmlns:a="http://schemas.openxmlformats.org/drawingml/2006/main" xmlns:r="http://schemas.openxmlformats.org/officeDocument/2006/relationships" xmlns:p="http://schemas.openxmlformats.org/presentationml/2006/main">
-  <p:cSld>
-    <p:spTree>
-      <p:nvGrpSpPr>
-        <p:cNvPr id="1" name="">
-          <a:extLst>
-            <a:ext uri="{FF2B5EF4-FFF2-40B4-BE49-F238E27FC236}">
-              <a16:creationId xmlns:a16="http://schemas.microsoft.com/office/drawing/2014/main" id="{9238F1D7-EE7E-3455-733C-4E308796772E}"/>
-            </a:ext>
-          </a:extLst>
-        </p:cNvPr>
-        <p:cNvGrpSpPr/>
-        <p:nvPr/>
-      </p:nvGrpSpPr>
-      <p:grpSpPr>
-        <a:xfrm>
-          <a:off x="0" y="0"/>
-          <a:ext cx="0" cy="0"/>
-          <a:chOff x="0" y="0"/>
-          <a:chExt cx="0" cy="0"/>
-        </a:xfrm>
-      </p:grpSpPr>
-      <p:sp>
-        <p:nvSpPr>
-          <p:cNvPr id="2" name="Title 1">
-            <a:extLst>
-              <a:ext uri="{FF2B5EF4-FFF2-40B4-BE49-F238E27FC236}">
-                <a16:creationId xmlns:a16="http://schemas.microsoft.com/office/drawing/2014/main" id="{73DA8B9E-6130-D1C4-223F-5115E659EB7C}"/>
-              </a:ext>
-            </a:extLst>
-          </p:cNvPr>
-          <p:cNvSpPr>
-            <a:spLocks noGrp="1"/>
-          </p:cNvSpPr>
-          <p:nvPr>
-            <p:ph type="title"/>
-          </p:nvPr>
-        </p:nvSpPr>
-        <p:spPr/>
-        <p:txBody>
-          <a:bodyPr/>
-          <a:lstStyle/>
-          <a:p>
-            <a:r>
-              <a:rPr lang="en-US" dirty="0">
-                <a:latin typeface="Trebuchet MS" panose="020B0603020202020204" pitchFamily="34" charset="0"/>
-              </a:rPr>
-              <a:t>Results</a:t>
-            </a:r>
-          </a:p>
-        </p:txBody>
-      </p:sp>
-      <p:sp>
-        <p:nvSpPr>
-          <p:cNvPr id="3" name="Content Placeholder 2">
-            <a:extLst>
-              <a:ext uri="{FF2B5EF4-FFF2-40B4-BE49-F238E27FC236}">
-                <a16:creationId xmlns:a16="http://schemas.microsoft.com/office/drawing/2014/main" id="{FC607E13-5D85-7B89-57D8-D52A7634453B}"/>
-              </a:ext>
-            </a:extLst>
-          </p:cNvPr>
-          <p:cNvSpPr>
-            <a:spLocks noGrp="1"/>
-          </p:cNvSpPr>
-          <p:nvPr>
-            <p:ph idx="1"/>
-          </p:nvPr>
-        </p:nvSpPr>
-        <p:spPr/>
-        <p:txBody>
-          <a:bodyPr/>
-          <a:lstStyle/>
-          <a:p>
-            <a:r>
-              <a:rPr lang="en-US" dirty="0"/>
-              <a:t>Arbitrary movement for leader</a:t>
-            </a:r>
-          </a:p>
-          <a:p>
-            <a:endParaRPr lang="en-US" dirty="0"/>
-          </a:p>
-          <a:p>
-            <a:r>
-              <a:rPr lang="en-US" dirty="0"/>
-              <a:t>…video</a:t>
-            </a:r>
-          </a:p>
-        </p:txBody>
-      </p:sp>
-    </p:spTree>
-    <p:extLst>
-      <p:ext uri="{BB962C8B-B14F-4D97-AF65-F5344CB8AC3E}">
-        <p14:creationId xmlns:p14="http://schemas.microsoft.com/office/powerpoint/2010/main" val="4012959857"/>
-      </p:ext>
-    </p:extLst>
-  </p:cSld>
-  <p:clrMapOvr>
-    <a:masterClrMapping/>
-  </p:clrMapOvr>
-</p:sld>
-</file>
-
-<file path=ppt/slides/slide7.xml><?xml version="1.0" encoding="utf-8"?>
-<p:sld xmlns:a="http://schemas.openxmlformats.org/drawingml/2006/main" xmlns:r="http://schemas.openxmlformats.org/officeDocument/2006/relationships" xmlns:p="http://schemas.openxmlformats.org/presentationml/2006/main">
-  <p:cSld>
-    <p:spTree>
-      <p:nvGrpSpPr>
-        <p:cNvPr id="1" name="">
-          <a:extLst>
-            <a:ext uri="{FF2B5EF4-FFF2-40B4-BE49-F238E27FC236}">
-              <a16:creationId xmlns:a16="http://schemas.microsoft.com/office/drawing/2014/main" id="{C1D6E782-E566-B3E3-F301-D427CB31128B}"/>
-            </a:ext>
-          </a:extLst>
-        </p:cNvPr>
-        <p:cNvGrpSpPr/>
-        <p:nvPr/>
-      </p:nvGrpSpPr>
-      <p:grpSpPr>
-        <a:xfrm>
-          <a:off x="0" y="0"/>
-          <a:ext cx="0" cy="0"/>
-          <a:chOff x="0" y="0"/>
-          <a:chExt cx="0" cy="0"/>
-        </a:xfrm>
-      </p:grpSpPr>
-      <p:sp>
-        <p:nvSpPr>
-          <p:cNvPr id="2" name="Title 1">
-            <a:extLst>
-              <a:ext uri="{FF2B5EF4-FFF2-40B4-BE49-F238E27FC236}">
-                <a16:creationId xmlns:a16="http://schemas.microsoft.com/office/drawing/2014/main" id="{1FE6C1E6-E6A6-ADAA-F14A-E3D9EA6E60D0}"/>
-              </a:ext>
-            </a:extLst>
-          </p:cNvPr>
-          <p:cNvSpPr>
-            <a:spLocks noGrp="1"/>
-          </p:cNvSpPr>
-          <p:nvPr>
-            <p:ph type="title"/>
-          </p:nvPr>
-        </p:nvSpPr>
-        <p:spPr/>
-        <p:txBody>
-          <a:bodyPr/>
-          <a:lstStyle/>
-          <a:p>
-            <a:r>
-              <a:rPr lang="en-US" dirty="0">
-                <a:latin typeface="Trebuchet MS" panose="020B0603020202020204" pitchFamily="34" charset="0"/>
-              </a:rPr>
-              <a:t>Results</a:t>
-            </a:r>
-          </a:p>
-        </p:txBody>
-      </p:sp>
-      <p:sp>
-        <p:nvSpPr>
-          <p:cNvPr id="3" name="Content Placeholder 2">
-            <a:extLst>
-              <a:ext uri="{FF2B5EF4-FFF2-40B4-BE49-F238E27FC236}">
-                <a16:creationId xmlns:a16="http://schemas.microsoft.com/office/drawing/2014/main" id="{5D9CFBAB-8D3A-49B8-4C89-10F81BC031B2}"/>
-              </a:ext>
-            </a:extLst>
-          </p:cNvPr>
-          <p:cNvSpPr>
-            <a:spLocks noGrp="1"/>
-          </p:cNvSpPr>
-          <p:nvPr>
-            <p:ph idx="1"/>
-          </p:nvPr>
-        </p:nvSpPr>
-        <p:spPr/>
-        <p:txBody>
-          <a:bodyPr/>
-          <a:lstStyle/>
-          <a:p>
-            <a:r>
-              <a:rPr lang="en-US" dirty="0"/>
-              <a:t>User manually controls leader’s movement</a:t>
-            </a:r>
-          </a:p>
-          <a:p>
-            <a:endParaRPr lang="en-US" dirty="0"/>
-          </a:p>
-          <a:p>
-            <a:r>
-              <a:rPr lang="en-US" dirty="0"/>
-              <a:t>…video</a:t>
-            </a:r>
-          </a:p>
-        </p:txBody>
-      </p:sp>
-    </p:spTree>
-    <p:extLst>
-      <p:ext uri="{BB962C8B-B14F-4D97-AF65-F5344CB8AC3E}">
-        <p14:creationId xmlns:p14="http://schemas.microsoft.com/office/powerpoint/2010/main" val="3686370145"/>
-      </p:ext>
-    </p:extLst>
-  </p:cSld>
-  <p:clrMapOvr>
-    <a:masterClrMapping/>
-  </p:clrMapOvr>
-</p:sld>
-</file>
-
-<file path=ppt/slides/slide8.xml><?xml version="1.0" encoding="utf-8"?>
-<p:sld xmlns:a="http://schemas.openxmlformats.org/drawingml/2006/main" xmlns:r="http://schemas.openxmlformats.org/officeDocument/2006/relationships" xmlns:p="http://schemas.openxmlformats.org/presentationml/2006/main">
-  <p:cSld>
-    <p:spTree>
-      <p:nvGrpSpPr>
-        <p:cNvPr id="1" name="">
-          <a:extLst>
-            <a:ext uri="{FF2B5EF4-FFF2-40B4-BE49-F238E27FC236}">
-              <a16:creationId xmlns:a16="http://schemas.microsoft.com/office/drawing/2014/main" id="{E27F8262-C469-B430-19A2-E39472460DBE}"/>
-            </a:ext>
-          </a:extLst>
-        </p:cNvPr>
-        <p:cNvGrpSpPr/>
-        <p:nvPr/>
-      </p:nvGrpSpPr>
-      <p:grpSpPr>
-        <a:xfrm>
-          <a:off x="0" y="0"/>
-          <a:ext cx="0" cy="0"/>
-          <a:chOff x="0" y="0"/>
-          <a:chExt cx="0" cy="0"/>
-        </a:xfrm>
-      </p:grpSpPr>
-      <p:sp>
-        <p:nvSpPr>
-          <p:cNvPr id="2" name="Title 1">
-            <a:extLst>
-              <a:ext uri="{FF2B5EF4-FFF2-40B4-BE49-F238E27FC236}">
-                <a16:creationId xmlns:a16="http://schemas.microsoft.com/office/drawing/2014/main" id="{C8D971A7-C046-479B-8FC0-8047EE053FAB}"/>
-              </a:ext>
-            </a:extLst>
-          </p:cNvPr>
-          <p:cNvSpPr>
-            <a:spLocks noGrp="1"/>
-          </p:cNvSpPr>
-          <p:nvPr>
-            <p:ph type="title"/>
-          </p:nvPr>
-        </p:nvSpPr>
-        <p:spPr/>
-        <p:txBody>
-          <a:bodyPr/>
-          <a:lstStyle/>
-          <a:p>
-            <a:r>
-              <a:rPr lang="en-US" dirty="0">
-                <a:latin typeface="Trebuchet MS" panose="020B0603020202020204" pitchFamily="34" charset="0"/>
-              </a:rPr>
-              <a:t>Results</a:t>
-            </a:r>
-          </a:p>
-        </p:txBody>
-      </p:sp>
-      <p:sp>
-        <p:nvSpPr>
-          <p:cNvPr id="3" name="Content Placeholder 2">
-            <a:extLst>
-              <a:ext uri="{FF2B5EF4-FFF2-40B4-BE49-F238E27FC236}">
-                <a16:creationId xmlns:a16="http://schemas.microsoft.com/office/drawing/2014/main" id="{0CCA4659-2BEC-2986-981D-A4232C99F0E8}"/>
-              </a:ext>
-            </a:extLst>
-          </p:cNvPr>
-          <p:cNvSpPr>
-            <a:spLocks noGrp="1"/>
-          </p:cNvSpPr>
-          <p:nvPr>
-            <p:ph idx="1"/>
-          </p:nvPr>
-        </p:nvSpPr>
-        <p:spPr/>
-        <p:txBody>
-          <a:bodyPr/>
-          <a:lstStyle/>
-          <a:p>
-            <a:r>
-              <a:rPr lang="en-US"/>
-              <a:t>Leader hierarchy</a:t>
-            </a:r>
-            <a:endParaRPr lang="en-US" dirty="0"/>
-          </a:p>
-        </p:txBody>
-      </p:sp>
-    </p:spTree>
-    <p:extLst>
-      <p:ext uri="{BB962C8B-B14F-4D97-AF65-F5344CB8AC3E}">
-        <p14:creationId xmlns:p14="http://schemas.microsoft.com/office/powerpoint/2010/main" val="3898129426"/>
-      </p:ext>
-    </p:extLst>
-  </p:cSld>
-  <p:clrMapOvr>
-    <a:masterClrMapping/>
-  </p:clrMapOvr>
-</p:sld>
-</file>
-
-<file path=ppt/slides/slide9.xml><?xml version="1.0" encoding="utf-8"?>
-<p:sld xmlns:a="http://schemas.openxmlformats.org/drawingml/2006/main" xmlns:r="http://schemas.openxmlformats.org/officeDocument/2006/relationships" xmlns:p="http://schemas.openxmlformats.org/presentationml/2006/main">
-  <p:cSld>
-    <p:spTree>
-      <p:nvGrpSpPr>
-        <p:cNvPr id="1" name=""/>
-        <p:cNvGrpSpPr/>
-        <p:nvPr/>
-      </p:nvGrpSpPr>
-      <p:grpSpPr>
-        <a:xfrm>
-          <a:off x="0" y="0"/>
-          <a:ext cx="0" cy="0"/>
-          <a:chOff x="0" y="0"/>
-          <a:chExt cx="0" cy="0"/>
-        </a:xfrm>
-      </p:grpSpPr>
-      <p:sp>
-        <p:nvSpPr>
-          <p:cNvPr id="2" name="Title 1">
-            <a:extLst>
-              <a:ext uri="{FF2B5EF4-FFF2-40B4-BE49-F238E27FC236}">
-                <a16:creationId xmlns:a16="http://schemas.microsoft.com/office/drawing/2014/main" id="{81317C58-0845-8D21-93CE-3A72E035F6EF}"/>
-              </a:ext>
-            </a:extLst>
-          </p:cNvPr>
-          <p:cNvSpPr>
-            <a:spLocks noGrp="1"/>
-          </p:cNvSpPr>
-          <p:nvPr>
-            <p:ph type="title"/>
-          </p:nvPr>
-        </p:nvSpPr>
-        <p:spPr/>
-        <p:txBody>
-          <a:bodyPr/>
-          <a:lstStyle/>
-          <a:p>
-            <a:r>
-              <a:rPr lang="en-US" dirty="0">
-                <a:latin typeface="Trebuchet MS" panose="020B0603020202020204" pitchFamily="34" charset="0"/>
-              </a:rPr>
-              <a:t>Conclusions</a:t>
-            </a:r>
-          </a:p>
-        </p:txBody>
-      </p:sp>
-      <p:sp>
-        <p:nvSpPr>
-          <p:cNvPr id="3" name="Content Placeholder 2">
-            <a:extLst>
-              <a:ext uri="{FF2B5EF4-FFF2-40B4-BE49-F238E27FC236}">
-                <a16:creationId xmlns:a16="http://schemas.microsoft.com/office/drawing/2014/main" id="{C5837ED5-5CC5-5376-C0A8-FC9F5A5B8CA9}"/>
-              </a:ext>
-            </a:extLst>
-          </p:cNvPr>
-          <p:cNvSpPr>
-            <a:spLocks noGrp="1"/>
-          </p:cNvSpPr>
-          <p:nvPr>
-            <p:ph idx="1"/>
-          </p:nvPr>
-        </p:nvSpPr>
-        <p:spPr/>
-        <p:txBody>
-          <a:bodyPr/>
-          <a:lstStyle/>
-          <a:p>
-            <a:r>
-              <a:rPr lang="en-US" dirty="0"/>
-              <a:t>Model seems to approximate human </a:t>
-            </a:r>
-            <a:r>
-              <a:rPr lang="en-US" dirty="0" err="1"/>
-              <a:t>behaviour</a:t>
-            </a:r>
-            <a:r>
-              <a:rPr lang="en-US" dirty="0"/>
-              <a:t> reasonably well…</a:t>
-            </a:r>
-          </a:p>
-          <a:p>
-            <a:r>
-              <a:rPr lang="en-US" dirty="0"/>
-              <a:t>Future work:</a:t>
-            </a:r>
-          </a:p>
-          <a:p>
-            <a:pPr lvl="1"/>
-            <a:r>
-              <a:rPr lang="en-US" dirty="0"/>
-              <a:t>Increase map accuracy (include parks, statues, etc.)</a:t>
-            </a:r>
-          </a:p>
-          <a:p>
-            <a:pPr lvl="1"/>
-            <a:r>
-              <a:rPr lang="en-US" dirty="0"/>
-              <a:t>Train police agents to create optimal formations</a:t>
-            </a:r>
-          </a:p>
-          <a:p>
-            <a:pPr lvl="1"/>
-            <a:r>
-              <a:rPr lang="en-US" dirty="0"/>
-              <a:t>Introduce uncertainty into vision</a:t>
-            </a:r>
-          </a:p>
-          <a:p>
-            <a:pPr lvl="1"/>
-            <a:endParaRPr lang="en-US" dirty="0"/>
-          </a:p>
-        </p:txBody>
-      </p:sp>
-    </p:spTree>
-    <p:extLst>
-      <p:ext uri="{BB962C8B-B14F-4D97-AF65-F5344CB8AC3E}">
-        <p14:creationId xmlns:p14="http://schemas.microsoft.com/office/powerpoint/2010/main" val="1742204147"/>
       </p:ext>
     </p:extLst>
   </p:cSld>

--- a/GroupA-presentation.pptx
+++ b/GroupA-presentation.pptx
@@ -5065,8 +5065,12 @@
           </a:p>
           <a:p>
             <a:r>
+              <a:rPr lang="en-US"/>
+              <a:t>Other forces: Wall </a:t>
+            </a:r>
+            <a:r>
               <a:rPr lang="en-US" dirty="0"/>
-              <a:t>Wall avoidance, collision avoidance</a:t>
+              <a:t>avoidance, collision avoidance</a:t>
             </a:r>
           </a:p>
           <a:p>

--- a/GroupA-presentation.pptx
+++ b/GroupA-presentation.pptx
@@ -13,12 +13,15 @@
     <p:sldId id="284" r:id="rId7"/>
     <p:sldId id="286" r:id="rId8"/>
     <p:sldId id="285" r:id="rId9"/>
-    <p:sldId id="278" r:id="rId10"/>
-    <p:sldId id="281" r:id="rId11"/>
-    <p:sldId id="280" r:id="rId12"/>
-    <p:sldId id="282" r:id="rId13"/>
-    <p:sldId id="276" r:id="rId14"/>
-    <p:sldId id="277" r:id="rId15"/>
+    <p:sldId id="287" r:id="rId10"/>
+    <p:sldId id="288" r:id="rId11"/>
+    <p:sldId id="289" r:id="rId12"/>
+    <p:sldId id="290" r:id="rId13"/>
+    <p:sldId id="281" r:id="rId14"/>
+    <p:sldId id="280" r:id="rId15"/>
+    <p:sldId id="282" r:id="rId16"/>
+    <p:sldId id="276" r:id="rId17"/>
+    <p:sldId id="277" r:id="rId18"/>
   </p:sldIdLst>
   <p:sldSz cx="12192000" cy="6858000"/>
   <p:notesSz cx="6858000" cy="9144000"/>
@@ -125,6 +128,14 @@
 </p:presentation>
 </file>
 
+<file path=ppt/revisionInfo.xml><?xml version="1.0" encoding="utf-8"?>
+<p1510:revInfo xmlns:a="http://schemas.openxmlformats.org/drawingml/2006/main" xmlns:r="http://schemas.openxmlformats.org/officeDocument/2006/relationships" xmlns:p1510="http://schemas.microsoft.com/office/powerpoint/2015/10/main">
+  <p1510:revLst>
+    <p1510:client id="{25839CB5-EC5B-7E59-43DA-81865C22CA37}" v="11" dt="2025-01-09T21:21:06.048"/>
+  </p1510:revLst>
+</p1510:revInfo>
+</file>
+
 <file path=ppt/slideLayouts/slideLayout1.xml><?xml version="1.0" encoding="utf-8"?>
 <p:sldLayout xmlns:a="http://schemas.openxmlformats.org/drawingml/2006/main" xmlns:r="http://schemas.openxmlformats.org/officeDocument/2006/relationships" xmlns:p="http://schemas.openxmlformats.org/presentationml/2006/main" type="title" preserve="1">
   <p:cSld name="Title Slide">
@@ -289,7 +300,7 @@
           <a:p>
             <a:fld id="{32637B58-87C1-446D-BDA9-B06F4BCF7782}" type="datetimeFigureOut">
               <a:rPr lang="en-US" smtClean="0"/>
-              <a:t>1/7/2025</a:t>
+              <a:t>1/9/2025</a:t>
             </a:fld>
             <a:endParaRPr lang="en-US"/>
           </a:p>
@@ -492,7 +503,7 @@
           <a:p>
             <a:fld id="{32637B58-87C1-446D-BDA9-B06F4BCF7782}" type="datetimeFigureOut">
               <a:rPr lang="en-US" smtClean="0"/>
-              <a:t>1/7/2025</a:t>
+              <a:t>1/9/2025</a:t>
             </a:fld>
             <a:endParaRPr lang="en-US"/>
           </a:p>
@@ -700,7 +711,7 @@
           <a:p>
             <a:fld id="{32637B58-87C1-446D-BDA9-B06F4BCF7782}" type="datetimeFigureOut">
               <a:rPr lang="en-US" smtClean="0"/>
-              <a:t>1/7/2025</a:t>
+              <a:t>1/9/2025</a:t>
             </a:fld>
             <a:endParaRPr lang="en-US"/>
           </a:p>
@@ -950,7 +961,7 @@
           <a:p>
             <a:fld id="{32637B58-87C1-446D-BDA9-B06F4BCF7782}" type="datetimeFigureOut">
               <a:rPr lang="en-US" smtClean="0"/>
-              <a:t>1/7/2025</a:t>
+              <a:t>1/9/2025</a:t>
             </a:fld>
             <a:endParaRPr lang="en-US"/>
           </a:p>
@@ -1254,7 +1265,7 @@
           <a:p>
             <a:fld id="{32637B58-87C1-446D-BDA9-B06F4BCF7782}" type="datetimeFigureOut">
               <a:rPr lang="en-US" smtClean="0"/>
-              <a:t>1/7/2025</a:t>
+              <a:t>1/9/2025</a:t>
             </a:fld>
             <a:endParaRPr lang="en-US"/>
           </a:p>
@@ -1521,7 +1532,7 @@
           <a:p>
             <a:fld id="{32637B58-87C1-446D-BDA9-B06F4BCF7782}" type="datetimeFigureOut">
               <a:rPr lang="en-US" smtClean="0"/>
-              <a:t>1/7/2025</a:t>
+              <a:t>1/9/2025</a:t>
             </a:fld>
             <a:endParaRPr lang="en-US"/>
           </a:p>
@@ -1976,7 +1987,7 @@
           <a:p>
             <a:fld id="{32637B58-87C1-446D-BDA9-B06F4BCF7782}" type="datetimeFigureOut">
               <a:rPr lang="en-US" smtClean="0"/>
-              <a:t>1/7/2025</a:t>
+              <a:t>1/9/2025</a:t>
             </a:fld>
             <a:endParaRPr lang="en-US"/>
           </a:p>
@@ -2117,7 +2128,7 @@
           <a:p>
             <a:fld id="{32637B58-87C1-446D-BDA9-B06F4BCF7782}" type="datetimeFigureOut">
               <a:rPr lang="en-US" smtClean="0"/>
-              <a:t>1/7/2025</a:t>
+              <a:t>1/9/2025</a:t>
             </a:fld>
             <a:endParaRPr lang="en-US"/>
           </a:p>
@@ -2230,7 +2241,7 @@
           <a:p>
             <a:fld id="{32637B58-87C1-446D-BDA9-B06F4BCF7782}" type="datetimeFigureOut">
               <a:rPr lang="en-US" smtClean="0"/>
-              <a:t>1/7/2025</a:t>
+              <a:t>1/9/2025</a:t>
             </a:fld>
             <a:endParaRPr lang="en-US"/>
           </a:p>
@@ -2541,7 +2552,7 @@
           <a:p>
             <a:fld id="{32637B58-87C1-446D-BDA9-B06F4BCF7782}" type="datetimeFigureOut">
               <a:rPr lang="en-US" smtClean="0"/>
-              <a:t>1/7/2025</a:t>
+              <a:t>1/9/2025</a:t>
             </a:fld>
             <a:endParaRPr lang="en-US"/>
           </a:p>
@@ -2832,7 +2843,7 @@
           <a:p>
             <a:fld id="{32637B58-87C1-446D-BDA9-B06F4BCF7782}" type="datetimeFigureOut">
               <a:rPr lang="en-US" smtClean="0"/>
-              <a:t>1/7/2025</a:t>
+              <a:t>1/9/2025</a:t>
             </a:fld>
             <a:endParaRPr lang="en-US"/>
           </a:p>
@@ -3243,7 +3254,7 @@
             <a:fld id="{32637B58-87C1-446D-BDA9-B06F4BCF7782}" type="datetimeFigureOut">
               <a:rPr lang="en-US" smtClean="0"/>
               <a:pPr/>
-              <a:t>1/7/2025</a:t>
+              <a:t>1/9/2025</a:t>
             </a:fld>
             <a:endParaRPr lang="en-US" dirty="0"/>
           </a:p>
@@ -3920,12 +3931,43 @@
           <a:chExt cx="0" cy="0"/>
         </a:xfrm>
       </p:grpSpPr>
-      <p:sp>
-        <p:nvSpPr>
-          <p:cNvPr id="2" name="Title 1">
-            <a:extLst>
-              <a:ext uri="{FF2B5EF4-FFF2-40B4-BE49-F238E27FC236}">
-                <a16:creationId xmlns:a16="http://schemas.microsoft.com/office/drawing/2014/main" id="{73DA8B9E-6130-D1C4-223F-5115E659EB7C}"/>
+      <p:pic>
+        <p:nvPicPr>
+          <p:cNvPr id="24" name="Online Media 23" title="Leader identification">
+            <a:hlinkClick r:id="" action="ppaction://media"/>
+            <a:extLst>
+              <a:ext uri="{FF2B5EF4-FFF2-40B4-BE49-F238E27FC236}">
+                <a16:creationId xmlns:a16="http://schemas.microsoft.com/office/drawing/2014/main" id="{9E0EE744-FFE2-466F-9D5E-EB36FE954B06}"/>
+              </a:ext>
+            </a:extLst>
+          </p:cNvPr>
+          <p:cNvPicPr>
+            <a:picLocks noGrp="1" noRot="1" noChangeAspect="1"/>
+          </p:cNvPicPr>
+          <p:nvPr>
+            <p:ph idx="1"/>
+            <a:videoFile r:link="rId1"/>
+          </p:nvPr>
+        </p:nvPicPr>
+        <p:blipFill>
+          <a:blip r:embed="rId3"/>
+          <a:stretch>
+            <a:fillRect/>
+          </a:stretch>
+        </p:blipFill>
+        <p:spPr>
+          <a:xfrm>
+            <a:off x="1859995" y="1823113"/>
+            <a:ext cx="8016935" cy="4486829"/>
+          </a:xfrm>
+        </p:spPr>
+      </p:pic>
+      <p:sp>
+        <p:nvSpPr>
+          <p:cNvPr id="13" name="Title 1">
+            <a:extLst>
+              <a:ext uri="{FF2B5EF4-FFF2-40B4-BE49-F238E27FC236}">
+                <a16:creationId xmlns:a16="http://schemas.microsoft.com/office/drawing/2014/main" id="{356C4F04-EF87-08BA-9024-875DAE4A1052}"/>
               </a:ext>
             </a:extLst>
           </p:cNvPr>
@@ -3936,53 +3978,21 @@
             <p:ph type="title"/>
           </p:nvPr>
         </p:nvSpPr>
-        <p:spPr/>
+        <p:spPr>
+          <a:xfrm>
+            <a:off x="905256" y="590668"/>
+            <a:ext cx="9914859" cy="1329004"/>
+          </a:xfrm>
+        </p:spPr>
         <p:txBody>
           <a:bodyPr/>
           <a:lstStyle/>
           <a:p>
             <a:r>
               <a:rPr lang="en-US" dirty="0">
-                <a:latin typeface="Trebuchet MS" panose="020B0603020202020204" pitchFamily="34" charset="0"/>
+                <a:latin typeface="Trebuchet MS"/>
               </a:rPr>
-              <a:t>Results</a:t>
-            </a:r>
-          </a:p>
-        </p:txBody>
-      </p:sp>
-      <p:sp>
-        <p:nvSpPr>
-          <p:cNvPr id="3" name="Content Placeholder 2">
-            <a:extLst>
-              <a:ext uri="{FF2B5EF4-FFF2-40B4-BE49-F238E27FC236}">
-                <a16:creationId xmlns:a16="http://schemas.microsoft.com/office/drawing/2014/main" id="{FC607E13-5D85-7B89-57D8-D52A7634453B}"/>
-              </a:ext>
-            </a:extLst>
-          </p:cNvPr>
-          <p:cNvSpPr>
-            <a:spLocks noGrp="1"/>
-          </p:cNvSpPr>
-          <p:nvPr>
-            <p:ph idx="1"/>
-          </p:nvPr>
-        </p:nvSpPr>
-        <p:spPr/>
-        <p:txBody>
-          <a:bodyPr/>
-          <a:lstStyle/>
-          <a:p>
-            <a:r>
-              <a:rPr lang="en-US" dirty="0"/>
-              <a:t>Arbitrary movement for leader</a:t>
-            </a:r>
-          </a:p>
-          <a:p>
-            <a:endParaRPr lang="en-US" dirty="0"/>
-          </a:p>
-          <a:p>
-            <a:r>
-              <a:rPr lang="en-US" dirty="0"/>
-              <a:t>…video</a:t>
+              <a:t>Leader identification</a:t>
             </a:r>
           </a:p>
         </p:txBody>
@@ -3990,7 +4000,7 @@
     </p:spTree>
     <p:extLst>
       <p:ext uri="{BB962C8B-B14F-4D97-AF65-F5344CB8AC3E}">
-        <p14:creationId xmlns:p14="http://schemas.microsoft.com/office/powerpoint/2010/main" val="4012959857"/>
+        <p14:creationId xmlns:p14="http://schemas.microsoft.com/office/powerpoint/2010/main" val="2138142113"/>
       </p:ext>
     </p:extLst>
   </p:cSld>
@@ -4023,6 +4033,307 @@
           <a:chExt cx="0" cy="0"/>
         </a:xfrm>
       </p:grpSpPr>
+      <p:pic>
+        <p:nvPicPr>
+          <p:cNvPr id="4" name="Online Media 3" title="Protest end">
+            <a:hlinkClick r:id="" action="ppaction://media"/>
+            <a:extLst>
+              <a:ext uri="{FF2B5EF4-FFF2-40B4-BE49-F238E27FC236}">
+                <a16:creationId xmlns:a16="http://schemas.microsoft.com/office/drawing/2014/main" id="{6DAB5003-6DBD-CFFF-6B48-4FEFB2FAD06A}"/>
+              </a:ext>
+            </a:extLst>
+          </p:cNvPr>
+          <p:cNvPicPr>
+            <a:picLocks noGrp="1" noRot="1" noChangeAspect="1"/>
+          </p:cNvPicPr>
+          <p:nvPr>
+            <p:ph idx="1"/>
+            <a:videoFile r:link="rId1"/>
+          </p:nvPr>
+        </p:nvPicPr>
+        <p:blipFill>
+          <a:blip r:embed="rId3"/>
+          <a:stretch>
+            <a:fillRect/>
+          </a:stretch>
+        </p:blipFill>
+        <p:spPr>
+          <a:xfrm>
+            <a:off x="1860873" y="1822424"/>
+            <a:ext cx="8022579" cy="4473036"/>
+          </a:xfrm>
+        </p:spPr>
+      </p:pic>
+      <p:sp>
+        <p:nvSpPr>
+          <p:cNvPr id="2" name="Title 1">
+            <a:extLst>
+              <a:ext uri="{FF2B5EF4-FFF2-40B4-BE49-F238E27FC236}">
+                <a16:creationId xmlns:a16="http://schemas.microsoft.com/office/drawing/2014/main" id="{1FE6C1E6-E6A6-ADAA-F14A-E3D9EA6E60D0}"/>
+              </a:ext>
+            </a:extLst>
+          </p:cNvPr>
+          <p:cNvSpPr>
+            <a:spLocks noGrp="1"/>
+          </p:cNvSpPr>
+          <p:nvPr>
+            <p:ph type="title"/>
+          </p:nvPr>
+        </p:nvSpPr>
+        <p:spPr/>
+        <p:txBody>
+          <a:bodyPr/>
+          <a:lstStyle/>
+          <a:p>
+            <a:r>
+              <a:rPr lang="en-US" dirty="0">
+                <a:latin typeface="Trebuchet MS"/>
+              </a:rPr>
+              <a:t>Protest conclusion</a:t>
+            </a:r>
+            <a:endParaRPr lang="en-US" dirty="0">
+              <a:latin typeface="Trebuchet MS" panose="020B0603020202020204" pitchFamily="34" charset="0"/>
+            </a:endParaRPr>
+          </a:p>
+        </p:txBody>
+      </p:sp>
+    </p:spTree>
+    <p:extLst>
+      <p:ext uri="{BB962C8B-B14F-4D97-AF65-F5344CB8AC3E}">
+        <p14:creationId xmlns:p14="http://schemas.microsoft.com/office/powerpoint/2010/main" val="1508900828"/>
+      </p:ext>
+    </p:extLst>
+  </p:cSld>
+  <p:clrMapOvr>
+    <a:masterClrMapping/>
+  </p:clrMapOvr>
+</p:sld>
+</file>
+
+<file path=ppt/slides/slide12.xml><?xml version="1.0" encoding="utf-8"?>
+<p:sld xmlns:a="http://schemas.openxmlformats.org/drawingml/2006/main" xmlns:r="http://schemas.openxmlformats.org/officeDocument/2006/relationships" xmlns:p="http://schemas.openxmlformats.org/presentationml/2006/main">
+  <p:cSld>
+    <p:spTree>
+      <p:nvGrpSpPr>
+        <p:cNvPr id="1" name="">
+          <a:extLst>
+            <a:ext uri="{FF2B5EF4-FFF2-40B4-BE49-F238E27FC236}">
+              <a16:creationId xmlns:a16="http://schemas.microsoft.com/office/drawing/2014/main" id="{C1D6E782-E566-B3E3-F301-D427CB31128B}"/>
+            </a:ext>
+          </a:extLst>
+        </p:cNvPr>
+        <p:cNvGrpSpPr/>
+        <p:nvPr/>
+      </p:nvGrpSpPr>
+      <p:grpSpPr>
+        <a:xfrm>
+          <a:off x="0" y="0"/>
+          <a:ext cx="0" cy="0"/>
+          <a:chOff x="0" y="0"/>
+          <a:chExt cx="0" cy="0"/>
+        </a:xfrm>
+      </p:grpSpPr>
+      <p:pic>
+        <p:nvPicPr>
+          <p:cNvPr id="4" name="Online Media 3" title="Protest end">
+            <a:hlinkClick r:id="" action="ppaction://media"/>
+            <a:extLst>
+              <a:ext uri="{FF2B5EF4-FFF2-40B4-BE49-F238E27FC236}">
+                <a16:creationId xmlns:a16="http://schemas.microsoft.com/office/drawing/2014/main" id="{6DAB5003-6DBD-CFFF-6B48-4FEFB2FAD06A}"/>
+              </a:ext>
+            </a:extLst>
+          </p:cNvPr>
+          <p:cNvPicPr>
+            <a:picLocks noGrp="1" noRot="1" noChangeAspect="1"/>
+          </p:cNvPicPr>
+          <p:nvPr>
+            <p:ph idx="1"/>
+            <a:videoFile r:link="rId1"/>
+          </p:nvPr>
+        </p:nvPicPr>
+        <p:blipFill>
+          <a:blip r:embed="rId3"/>
+          <a:stretch>
+            <a:fillRect/>
+          </a:stretch>
+        </p:blipFill>
+        <p:spPr>
+          <a:xfrm>
+            <a:off x="1860873" y="1822424"/>
+            <a:ext cx="8022579" cy="4473036"/>
+          </a:xfrm>
+        </p:spPr>
+      </p:pic>
+      <p:sp>
+        <p:nvSpPr>
+          <p:cNvPr id="2" name="Title 1">
+            <a:extLst>
+              <a:ext uri="{FF2B5EF4-FFF2-40B4-BE49-F238E27FC236}">
+                <a16:creationId xmlns:a16="http://schemas.microsoft.com/office/drawing/2014/main" id="{1FE6C1E6-E6A6-ADAA-F14A-E3D9EA6E60D0}"/>
+              </a:ext>
+            </a:extLst>
+          </p:cNvPr>
+          <p:cNvSpPr>
+            <a:spLocks noGrp="1"/>
+          </p:cNvSpPr>
+          <p:nvPr>
+            <p:ph type="title"/>
+          </p:nvPr>
+        </p:nvSpPr>
+        <p:spPr/>
+        <p:txBody>
+          <a:bodyPr/>
+          <a:lstStyle/>
+          <a:p>
+            <a:r>
+              <a:rPr lang="en-US" dirty="0">
+                <a:latin typeface="Trebuchet MS"/>
+              </a:rPr>
+              <a:t>Protest simulation</a:t>
+            </a:r>
+            <a:endParaRPr lang="en-US" dirty="0"/>
+          </a:p>
+        </p:txBody>
+      </p:sp>
+    </p:spTree>
+    <p:extLst>
+      <p:ext uri="{BB962C8B-B14F-4D97-AF65-F5344CB8AC3E}">
+        <p14:creationId xmlns:p14="http://schemas.microsoft.com/office/powerpoint/2010/main" val="2511721973"/>
+      </p:ext>
+    </p:extLst>
+  </p:cSld>
+  <p:clrMapOvr>
+    <a:masterClrMapping/>
+  </p:clrMapOvr>
+</p:sld>
+</file>
+
+<file path=ppt/slides/slide13.xml><?xml version="1.0" encoding="utf-8"?>
+<p:sld xmlns:a="http://schemas.openxmlformats.org/drawingml/2006/main" xmlns:r="http://schemas.openxmlformats.org/officeDocument/2006/relationships" xmlns:p="http://schemas.openxmlformats.org/presentationml/2006/main">
+  <p:cSld>
+    <p:spTree>
+      <p:nvGrpSpPr>
+        <p:cNvPr id="1" name="">
+          <a:extLst>
+            <a:ext uri="{FF2B5EF4-FFF2-40B4-BE49-F238E27FC236}">
+              <a16:creationId xmlns:a16="http://schemas.microsoft.com/office/drawing/2014/main" id="{9238F1D7-EE7E-3455-733C-4E308796772E}"/>
+            </a:ext>
+          </a:extLst>
+        </p:cNvPr>
+        <p:cNvGrpSpPr/>
+        <p:nvPr/>
+      </p:nvGrpSpPr>
+      <p:grpSpPr>
+        <a:xfrm>
+          <a:off x="0" y="0"/>
+          <a:ext cx="0" cy="0"/>
+          <a:chOff x="0" y="0"/>
+          <a:chExt cx="0" cy="0"/>
+        </a:xfrm>
+      </p:grpSpPr>
+      <p:sp>
+        <p:nvSpPr>
+          <p:cNvPr id="2" name="Title 1">
+            <a:extLst>
+              <a:ext uri="{FF2B5EF4-FFF2-40B4-BE49-F238E27FC236}">
+                <a16:creationId xmlns:a16="http://schemas.microsoft.com/office/drawing/2014/main" id="{73DA8B9E-6130-D1C4-223F-5115E659EB7C}"/>
+              </a:ext>
+            </a:extLst>
+          </p:cNvPr>
+          <p:cNvSpPr>
+            <a:spLocks noGrp="1"/>
+          </p:cNvSpPr>
+          <p:nvPr>
+            <p:ph type="title"/>
+          </p:nvPr>
+        </p:nvSpPr>
+        <p:spPr/>
+        <p:txBody>
+          <a:bodyPr/>
+          <a:lstStyle/>
+          <a:p>
+            <a:r>
+              <a:rPr lang="en-US" dirty="0">
+                <a:latin typeface="Trebuchet MS" panose="020B0603020202020204" pitchFamily="34" charset="0"/>
+              </a:rPr>
+              <a:t>Results</a:t>
+            </a:r>
+          </a:p>
+        </p:txBody>
+      </p:sp>
+      <p:sp>
+        <p:nvSpPr>
+          <p:cNvPr id="3" name="Content Placeholder 2">
+            <a:extLst>
+              <a:ext uri="{FF2B5EF4-FFF2-40B4-BE49-F238E27FC236}">
+                <a16:creationId xmlns:a16="http://schemas.microsoft.com/office/drawing/2014/main" id="{FC607E13-5D85-7B89-57D8-D52A7634453B}"/>
+              </a:ext>
+            </a:extLst>
+          </p:cNvPr>
+          <p:cNvSpPr>
+            <a:spLocks noGrp="1"/>
+          </p:cNvSpPr>
+          <p:nvPr>
+            <p:ph idx="1"/>
+          </p:nvPr>
+        </p:nvSpPr>
+        <p:spPr/>
+        <p:txBody>
+          <a:bodyPr/>
+          <a:lstStyle/>
+          <a:p>
+            <a:r>
+              <a:rPr lang="en-US" dirty="0"/>
+              <a:t>Arbitrary movement for leader</a:t>
+            </a:r>
+          </a:p>
+          <a:p>
+            <a:endParaRPr lang="en-US" dirty="0"/>
+          </a:p>
+          <a:p>
+            <a:r>
+              <a:rPr lang="en-US" dirty="0"/>
+              <a:t>…video</a:t>
+            </a:r>
+          </a:p>
+        </p:txBody>
+      </p:sp>
+    </p:spTree>
+    <p:extLst>
+      <p:ext uri="{BB962C8B-B14F-4D97-AF65-F5344CB8AC3E}">
+        <p14:creationId xmlns:p14="http://schemas.microsoft.com/office/powerpoint/2010/main" val="4012959857"/>
+      </p:ext>
+    </p:extLst>
+  </p:cSld>
+  <p:clrMapOvr>
+    <a:masterClrMapping/>
+  </p:clrMapOvr>
+</p:sld>
+</file>
+
+<file path=ppt/slides/slide14.xml><?xml version="1.0" encoding="utf-8"?>
+<p:sld xmlns:a="http://schemas.openxmlformats.org/drawingml/2006/main" xmlns:r="http://schemas.openxmlformats.org/officeDocument/2006/relationships" xmlns:p="http://schemas.openxmlformats.org/presentationml/2006/main">
+  <p:cSld>
+    <p:spTree>
+      <p:nvGrpSpPr>
+        <p:cNvPr id="1" name="">
+          <a:extLst>
+            <a:ext uri="{FF2B5EF4-FFF2-40B4-BE49-F238E27FC236}">
+              <a16:creationId xmlns:a16="http://schemas.microsoft.com/office/drawing/2014/main" id="{C1D6E782-E566-B3E3-F301-D427CB31128B}"/>
+            </a:ext>
+          </a:extLst>
+        </p:cNvPr>
+        <p:cNvGrpSpPr/>
+        <p:nvPr/>
+      </p:nvGrpSpPr>
+      <p:grpSpPr>
+        <a:xfrm>
+          <a:off x="0" y="0"/>
+          <a:ext cx="0" cy="0"/>
+          <a:chOff x="0" y="0"/>
+          <a:chExt cx="0" cy="0"/>
+        </a:xfrm>
+      </p:grpSpPr>
       <p:sp>
         <p:nvSpPr>
           <p:cNvPr id="2" name="Title 1">
@@ -4103,7 +4414,7 @@
 </p:sld>
 </file>
 
-<file path=ppt/slides/slide12.xml><?xml version="1.0" encoding="utf-8"?>
+<file path=ppt/slides/slide15.xml><?xml version="1.0" encoding="utf-8"?>
 <p:sld xmlns:a="http://schemas.openxmlformats.org/drawingml/2006/main" xmlns:r="http://schemas.openxmlformats.org/officeDocument/2006/relationships" xmlns:p="http://schemas.openxmlformats.org/presentationml/2006/main">
   <p:cSld>
     <p:spTree>
@@ -4197,7 +4508,7 @@
 </p:sld>
 </file>
 
-<file path=ppt/slides/slide13.xml><?xml version="1.0" encoding="utf-8"?>
+<file path=ppt/slides/slide16.xml><?xml version="1.0" encoding="utf-8"?>
 <p:sld xmlns:a="http://schemas.openxmlformats.org/drawingml/2006/main" xmlns:r="http://schemas.openxmlformats.org/officeDocument/2006/relationships" xmlns:p="http://schemas.openxmlformats.org/presentationml/2006/main">
   <p:cSld>
     <p:spTree>
@@ -4330,7 +4641,7 @@
 </p:sld>
 </file>
 
-<file path=ppt/slides/slide14.xml><?xml version="1.0" encoding="utf-8"?>
+<file path=ppt/slides/slide17.xml><?xml version="1.0" encoding="utf-8"?>
 <p:sld xmlns:a="http://schemas.openxmlformats.org/drawingml/2006/main" xmlns:r="http://schemas.openxmlformats.org/officeDocument/2006/relationships" xmlns:p="http://schemas.openxmlformats.org/presentationml/2006/main">
   <p:cSld>
     <p:spTree>
@@ -5378,73 +5689,46 @@
           <a:p>
             <a:r>
               <a:rPr lang="en-US" dirty="0">
-                <a:latin typeface="Trebuchet MS" panose="020B0603020202020204" pitchFamily="34" charset="0"/>
+                <a:latin typeface="Trebuchet MS"/>
               </a:rPr>
-              <a:t>Results</a:t>
-            </a:r>
-          </a:p>
-        </p:txBody>
-      </p:sp>
-      <p:sp>
-        <p:nvSpPr>
-          <p:cNvPr id="3" name="Content Placeholder 2">
-            <a:extLst>
-              <a:ext uri="{FF2B5EF4-FFF2-40B4-BE49-F238E27FC236}">
-                <a16:creationId xmlns:a16="http://schemas.microsoft.com/office/drawing/2014/main" id="{84FB7D66-D812-7573-8EA3-B356A3485A7D}"/>
-              </a:ext>
-            </a:extLst>
-          </p:cNvPr>
-          <p:cNvSpPr>
-            <a:spLocks noGrp="1"/>
-          </p:cNvSpPr>
-          <p:nvPr>
-            <p:ph idx="1"/>
-          </p:nvPr>
-        </p:nvSpPr>
-        <p:spPr/>
-        <p:txBody>
-          <a:bodyPr/>
-          <a:lstStyle/>
-          <a:p>
-            <a:r>
-              <a:rPr lang="en-US" dirty="0"/>
-              <a:t>Effects of End-position-seeking-</a:t>
-            </a:r>
-            <a:r>
-              <a:rPr lang="en-US" dirty="0" err="1"/>
+              <a:t>End-position-seeking-</a:t>
+            </a:r>
+            <a:r>
+              <a:rPr lang="en-US" dirty="0" err="1">
+                <a:latin typeface="Trebuchet MS"/>
+              </a:rPr>
               <a:t>behaviour</a:t>
             </a:r>
-            <a:endParaRPr lang="en-US" dirty="0"/>
-          </a:p>
-          <a:p>
-            <a:endParaRPr lang="en-US" dirty="0"/>
           </a:p>
         </p:txBody>
       </p:sp>
       <p:pic>
         <p:nvPicPr>
-          <p:cNvPr id="6" name="Picture 5">
-            <a:extLst>
-              <a:ext uri="{FF2B5EF4-FFF2-40B4-BE49-F238E27FC236}">
-                <a16:creationId xmlns:a16="http://schemas.microsoft.com/office/drawing/2014/main" id="{9A951776-7EC4-61B6-F662-FFC1DAE8E091}"/>
+          <p:cNvPr id="6" name="Online Media 3" title="Protest Formation">
+            <a:hlinkClick r:id="" action="ppaction://media"/>
+            <a:extLst>
+              <a:ext uri="{FF2B5EF4-FFF2-40B4-BE49-F238E27FC236}">
+                <a16:creationId xmlns:a16="http://schemas.microsoft.com/office/drawing/2014/main" id="{139FC1B7-D91F-8108-3784-DD0F9639ACB8}"/>
               </a:ext>
             </a:extLst>
           </p:cNvPr>
           <p:cNvPicPr>
-            <a:picLocks noChangeAspect="1"/>
+            <a:picLocks noRot="1" noChangeAspect="1"/>
           </p:cNvPicPr>
-          <p:nvPr/>
+          <p:nvPr>
+            <a:videoFile r:link="rId1"/>
+          </p:nvPr>
         </p:nvPicPr>
         <p:blipFill>
-          <a:blip r:embed="rId2"/>
+          <a:blip r:embed="rId3"/>
           <a:stretch>
             <a:fillRect/>
           </a:stretch>
         </p:blipFill>
         <p:spPr>
           <a:xfrm>
-            <a:off x="0" y="2649758"/>
-            <a:ext cx="12192000" cy="4048763"/>
+            <a:off x="1859359" y="1826523"/>
+            <a:ext cx="8013699" cy="4529137"/>
           </a:xfrm>
           <a:prstGeom prst="rect">
             <a:avLst/>
@@ -5454,7 +5738,7 @@
     </p:spTree>
     <p:extLst>
       <p:ext uri="{BB962C8B-B14F-4D97-AF65-F5344CB8AC3E}">
-        <p14:creationId xmlns:p14="http://schemas.microsoft.com/office/powerpoint/2010/main" val="1324369122"/>
+        <p14:creationId xmlns:p14="http://schemas.microsoft.com/office/powerpoint/2010/main" val="1642649021"/>
       </p:ext>
     </p:extLst>
   </p:cSld>

--- a/GroupA-presentation.pptx
+++ b/GroupA-presentation.pptx
@@ -13,15 +13,12 @@
     <p:sldId id="284" r:id="rId7"/>
     <p:sldId id="286" r:id="rId8"/>
     <p:sldId id="285" r:id="rId9"/>
-    <p:sldId id="287" r:id="rId10"/>
+    <p:sldId id="291" r:id="rId10"/>
     <p:sldId id="288" r:id="rId11"/>
     <p:sldId id="289" r:id="rId12"/>
     <p:sldId id="290" r:id="rId13"/>
-    <p:sldId id="281" r:id="rId14"/>
-    <p:sldId id="280" r:id="rId15"/>
-    <p:sldId id="282" r:id="rId16"/>
-    <p:sldId id="276" r:id="rId17"/>
-    <p:sldId id="277" r:id="rId18"/>
+    <p:sldId id="276" r:id="rId14"/>
+    <p:sldId id="277" r:id="rId15"/>
   </p:sldIdLst>
   <p:sldSz cx="12192000" cy="6858000"/>
   <p:notesSz cx="6858000" cy="9144000"/>
@@ -131,6 +128,7 @@
 <file path=ppt/revisionInfo.xml><?xml version="1.0" encoding="utf-8"?>
 <p1510:revInfo xmlns:a="http://schemas.openxmlformats.org/drawingml/2006/main" xmlns:r="http://schemas.openxmlformats.org/officeDocument/2006/relationships" xmlns:p1510="http://schemas.microsoft.com/office/powerpoint/2015/10/main">
   <p1510:revLst>
+    <p1510:client id="{0BF0345D-1FA7-BB6E-4126-2CA47A21321A}" v="72" dt="2025-01-10T15:58:30.280"/>
     <p1510:client id="{25839CB5-EC5B-7E59-43DA-81865C22CA37}" v="11" dt="2025-01-09T21:21:06.048"/>
   </p1510:revLst>
 </p1510:revInfo>
@@ -300,7 +298,7 @@
           <a:p>
             <a:fld id="{32637B58-87C1-446D-BDA9-B06F4BCF7782}" type="datetimeFigureOut">
               <a:rPr lang="en-US" smtClean="0"/>
-              <a:t>1/9/2025</a:t>
+              <a:t>1/10/2025</a:t>
             </a:fld>
             <a:endParaRPr lang="en-US"/>
           </a:p>
@@ -503,7 +501,7 @@
           <a:p>
             <a:fld id="{32637B58-87C1-446D-BDA9-B06F4BCF7782}" type="datetimeFigureOut">
               <a:rPr lang="en-US" smtClean="0"/>
-              <a:t>1/9/2025</a:t>
+              <a:t>1/10/2025</a:t>
             </a:fld>
             <a:endParaRPr lang="en-US"/>
           </a:p>
@@ -711,7 +709,7 @@
           <a:p>
             <a:fld id="{32637B58-87C1-446D-BDA9-B06F4BCF7782}" type="datetimeFigureOut">
               <a:rPr lang="en-US" smtClean="0"/>
-              <a:t>1/9/2025</a:t>
+              <a:t>1/10/2025</a:t>
             </a:fld>
             <a:endParaRPr lang="en-US"/>
           </a:p>
@@ -961,7 +959,7 @@
           <a:p>
             <a:fld id="{32637B58-87C1-446D-BDA9-B06F4BCF7782}" type="datetimeFigureOut">
               <a:rPr lang="en-US" smtClean="0"/>
-              <a:t>1/9/2025</a:t>
+              <a:t>1/10/2025</a:t>
             </a:fld>
             <a:endParaRPr lang="en-US"/>
           </a:p>
@@ -1265,7 +1263,7 @@
           <a:p>
             <a:fld id="{32637B58-87C1-446D-BDA9-B06F4BCF7782}" type="datetimeFigureOut">
               <a:rPr lang="en-US" smtClean="0"/>
-              <a:t>1/9/2025</a:t>
+              <a:t>1/10/2025</a:t>
             </a:fld>
             <a:endParaRPr lang="en-US"/>
           </a:p>
@@ -1532,7 +1530,7 @@
           <a:p>
             <a:fld id="{32637B58-87C1-446D-BDA9-B06F4BCF7782}" type="datetimeFigureOut">
               <a:rPr lang="en-US" smtClean="0"/>
-              <a:t>1/9/2025</a:t>
+              <a:t>1/10/2025</a:t>
             </a:fld>
             <a:endParaRPr lang="en-US"/>
           </a:p>
@@ -1987,7 +1985,7 @@
           <a:p>
             <a:fld id="{32637B58-87C1-446D-BDA9-B06F4BCF7782}" type="datetimeFigureOut">
               <a:rPr lang="en-US" smtClean="0"/>
-              <a:t>1/9/2025</a:t>
+              <a:t>1/10/2025</a:t>
             </a:fld>
             <a:endParaRPr lang="en-US"/>
           </a:p>
@@ -2128,7 +2126,7 @@
           <a:p>
             <a:fld id="{32637B58-87C1-446D-BDA9-B06F4BCF7782}" type="datetimeFigureOut">
               <a:rPr lang="en-US" smtClean="0"/>
-              <a:t>1/9/2025</a:t>
+              <a:t>1/10/2025</a:t>
             </a:fld>
             <a:endParaRPr lang="en-US"/>
           </a:p>
@@ -2241,7 +2239,7 @@
           <a:p>
             <a:fld id="{32637B58-87C1-446D-BDA9-B06F4BCF7782}" type="datetimeFigureOut">
               <a:rPr lang="en-US" smtClean="0"/>
-              <a:t>1/9/2025</a:t>
+              <a:t>1/10/2025</a:t>
             </a:fld>
             <a:endParaRPr lang="en-US"/>
           </a:p>
@@ -2552,7 +2550,7 @@
           <a:p>
             <a:fld id="{32637B58-87C1-446D-BDA9-B06F4BCF7782}" type="datetimeFigureOut">
               <a:rPr lang="en-US" smtClean="0"/>
-              <a:t>1/9/2025</a:t>
+              <a:t>1/10/2025</a:t>
             </a:fld>
             <a:endParaRPr lang="en-US"/>
           </a:p>
@@ -2843,7 +2841,7 @@
           <a:p>
             <a:fld id="{32637B58-87C1-446D-BDA9-B06F4BCF7782}" type="datetimeFigureOut">
               <a:rPr lang="en-US" smtClean="0"/>
-              <a:t>1/9/2025</a:t>
+              <a:t>1/10/2025</a:t>
             </a:fld>
             <a:endParaRPr lang="en-US"/>
           </a:p>
@@ -3254,7 +3252,7 @@
             <a:fld id="{32637B58-87C1-446D-BDA9-B06F4BCF7782}" type="datetimeFigureOut">
               <a:rPr lang="en-US" smtClean="0"/>
               <a:pPr/>
-              <a:t>1/9/2025</a:t>
+              <a:t>1/10/2025</a:t>
             </a:fld>
             <a:endParaRPr lang="en-US" dirty="0"/>
           </a:p>
@@ -3931,13 +3929,48 @@
           <a:chExt cx="0" cy="0"/>
         </a:xfrm>
       </p:grpSpPr>
+      <p:sp>
+        <p:nvSpPr>
+          <p:cNvPr id="13" name="Title 1">
+            <a:extLst>
+              <a:ext uri="{FF2B5EF4-FFF2-40B4-BE49-F238E27FC236}">
+                <a16:creationId xmlns:a16="http://schemas.microsoft.com/office/drawing/2014/main" id="{356C4F04-EF87-08BA-9024-875DAE4A1052}"/>
+              </a:ext>
+            </a:extLst>
+          </p:cNvPr>
+          <p:cNvSpPr>
+            <a:spLocks noGrp="1"/>
+          </p:cNvSpPr>
+          <p:nvPr>
+            <p:ph type="title"/>
+          </p:nvPr>
+        </p:nvSpPr>
+        <p:spPr>
+          <a:xfrm>
+            <a:off x="905256" y="590668"/>
+            <a:ext cx="9914859" cy="1329004"/>
+          </a:xfrm>
+        </p:spPr>
+        <p:txBody>
+          <a:bodyPr/>
+          <a:lstStyle/>
+          <a:p>
+            <a:r>
+              <a:rPr lang="en-US" dirty="0">
+                <a:latin typeface="Trebuchet MS"/>
+              </a:rPr>
+              <a:t>Leader identification</a:t>
+            </a:r>
+          </a:p>
+        </p:txBody>
+      </p:sp>
       <p:pic>
         <p:nvPicPr>
-          <p:cNvPr id="24" name="Online Media 23" title="Leader identification">
+          <p:cNvPr id="4" name="Online Media 3" title="Leader identification">
             <a:hlinkClick r:id="" action="ppaction://media"/>
             <a:extLst>
               <a:ext uri="{FF2B5EF4-FFF2-40B4-BE49-F238E27FC236}">
-                <a16:creationId xmlns:a16="http://schemas.microsoft.com/office/drawing/2014/main" id="{9E0EE744-FFE2-466F-9D5E-EB36FE954B06}"/>
+                <a16:creationId xmlns:a16="http://schemas.microsoft.com/office/drawing/2014/main" id="{EB1D517D-58AF-9C39-30E4-3BF2C6FC99A0}"/>
               </a:ext>
             </a:extLst>
           </p:cNvPr>
@@ -3957,46 +3990,11 @@
         </p:blipFill>
         <p:spPr>
           <a:xfrm>
-            <a:off x="1859995" y="1823113"/>
-            <a:ext cx="8016935" cy="4486829"/>
+            <a:off x="2222500" y="1919288"/>
+            <a:ext cx="7299325" cy="4124325"/>
           </a:xfrm>
         </p:spPr>
       </p:pic>
-      <p:sp>
-        <p:nvSpPr>
-          <p:cNvPr id="13" name="Title 1">
-            <a:extLst>
-              <a:ext uri="{FF2B5EF4-FFF2-40B4-BE49-F238E27FC236}">
-                <a16:creationId xmlns:a16="http://schemas.microsoft.com/office/drawing/2014/main" id="{356C4F04-EF87-08BA-9024-875DAE4A1052}"/>
-              </a:ext>
-            </a:extLst>
-          </p:cNvPr>
-          <p:cNvSpPr>
-            <a:spLocks noGrp="1"/>
-          </p:cNvSpPr>
-          <p:nvPr>
-            <p:ph type="title"/>
-          </p:nvPr>
-        </p:nvSpPr>
-        <p:spPr>
-          <a:xfrm>
-            <a:off x="905256" y="590668"/>
-            <a:ext cx="9914859" cy="1329004"/>
-          </a:xfrm>
-        </p:spPr>
-        <p:txBody>
-          <a:bodyPr/>
-          <a:lstStyle/>
-          <a:p>
-            <a:r>
-              <a:rPr lang="en-US" dirty="0">
-                <a:latin typeface="Trebuchet MS"/>
-              </a:rPr>
-              <a:t>Leader identification</a:t>
-            </a:r>
-          </a:p>
-        </p:txBody>
-      </p:sp>
     </p:spTree>
     <p:extLst>
       <p:ext uri="{BB962C8B-B14F-4D97-AF65-F5344CB8AC3E}">
@@ -4033,13 +4031,46 @@
           <a:chExt cx="0" cy="0"/>
         </a:xfrm>
       </p:grpSpPr>
+      <p:sp>
+        <p:nvSpPr>
+          <p:cNvPr id="2" name="Title 1">
+            <a:extLst>
+              <a:ext uri="{FF2B5EF4-FFF2-40B4-BE49-F238E27FC236}">
+                <a16:creationId xmlns:a16="http://schemas.microsoft.com/office/drawing/2014/main" id="{1FE6C1E6-E6A6-ADAA-F14A-E3D9EA6E60D0}"/>
+              </a:ext>
+            </a:extLst>
+          </p:cNvPr>
+          <p:cNvSpPr>
+            <a:spLocks noGrp="1"/>
+          </p:cNvSpPr>
+          <p:nvPr>
+            <p:ph type="title"/>
+          </p:nvPr>
+        </p:nvSpPr>
+        <p:spPr/>
+        <p:txBody>
+          <a:bodyPr/>
+          <a:lstStyle/>
+          <a:p>
+            <a:r>
+              <a:rPr lang="en-US" dirty="0">
+                <a:latin typeface="Trebuchet MS"/>
+              </a:rPr>
+              <a:t>Protest conclusion</a:t>
+            </a:r>
+            <a:endParaRPr lang="en-US" dirty="0">
+              <a:latin typeface="Trebuchet MS" panose="020B0603020202020204" pitchFamily="34" charset="0"/>
+            </a:endParaRPr>
+          </a:p>
+        </p:txBody>
+      </p:sp>
       <p:pic>
         <p:nvPicPr>
-          <p:cNvPr id="4" name="Online Media 3" title="Protest end">
+          <p:cNvPr id="6" name="Online Media 5" title="Protest end">
             <a:hlinkClick r:id="" action="ppaction://media"/>
             <a:extLst>
               <a:ext uri="{FF2B5EF4-FFF2-40B4-BE49-F238E27FC236}">
-                <a16:creationId xmlns:a16="http://schemas.microsoft.com/office/drawing/2014/main" id="{6DAB5003-6DBD-CFFF-6B48-4FEFB2FAD06A}"/>
+                <a16:creationId xmlns:a16="http://schemas.microsoft.com/office/drawing/2014/main" id="{73271BDE-54BA-AD08-EF31-7589D2F41C44}"/>
               </a:ext>
             </a:extLst>
           </p:cNvPr>
@@ -4059,44 +4090,11 @@
         </p:blipFill>
         <p:spPr>
           <a:xfrm>
-            <a:off x="1860873" y="1822424"/>
-            <a:ext cx="8022579" cy="4473036"/>
+            <a:off x="2222500" y="1919288"/>
+            <a:ext cx="7299325" cy="4124325"/>
           </a:xfrm>
         </p:spPr>
       </p:pic>
-      <p:sp>
-        <p:nvSpPr>
-          <p:cNvPr id="2" name="Title 1">
-            <a:extLst>
-              <a:ext uri="{FF2B5EF4-FFF2-40B4-BE49-F238E27FC236}">
-                <a16:creationId xmlns:a16="http://schemas.microsoft.com/office/drawing/2014/main" id="{1FE6C1E6-E6A6-ADAA-F14A-E3D9EA6E60D0}"/>
-              </a:ext>
-            </a:extLst>
-          </p:cNvPr>
-          <p:cNvSpPr>
-            <a:spLocks noGrp="1"/>
-          </p:cNvSpPr>
-          <p:nvPr>
-            <p:ph type="title"/>
-          </p:nvPr>
-        </p:nvSpPr>
-        <p:spPr/>
-        <p:txBody>
-          <a:bodyPr/>
-          <a:lstStyle/>
-          <a:p>
-            <a:r>
-              <a:rPr lang="en-US" dirty="0">
-                <a:latin typeface="Trebuchet MS"/>
-              </a:rPr>
-              <a:t>Protest conclusion</a:t>
-            </a:r>
-            <a:endParaRPr lang="en-US" dirty="0">
-              <a:latin typeface="Trebuchet MS" panose="020B0603020202020204" pitchFamily="34" charset="0"/>
-            </a:endParaRPr>
-          </a:p>
-        </p:txBody>
-      </p:sp>
     </p:spTree>
     <p:extLst>
       <p:ext uri="{BB962C8B-B14F-4D97-AF65-F5344CB8AC3E}">
@@ -4133,13 +4131,44 @@
           <a:chExt cx="0" cy="0"/>
         </a:xfrm>
       </p:grpSpPr>
+      <p:sp>
+        <p:nvSpPr>
+          <p:cNvPr id="2" name="Title 1">
+            <a:extLst>
+              <a:ext uri="{FF2B5EF4-FFF2-40B4-BE49-F238E27FC236}">
+                <a16:creationId xmlns:a16="http://schemas.microsoft.com/office/drawing/2014/main" id="{1FE6C1E6-E6A6-ADAA-F14A-E3D9EA6E60D0}"/>
+              </a:ext>
+            </a:extLst>
+          </p:cNvPr>
+          <p:cNvSpPr>
+            <a:spLocks noGrp="1"/>
+          </p:cNvSpPr>
+          <p:nvPr>
+            <p:ph type="title"/>
+          </p:nvPr>
+        </p:nvSpPr>
+        <p:spPr/>
+        <p:txBody>
+          <a:bodyPr/>
+          <a:lstStyle/>
+          <a:p>
+            <a:r>
+              <a:rPr lang="en-US" dirty="0">
+                <a:latin typeface="Trebuchet MS"/>
+              </a:rPr>
+              <a:t>Protest simulation</a:t>
+            </a:r>
+            <a:endParaRPr lang="en-US" dirty="0"/>
+          </a:p>
+        </p:txBody>
+      </p:sp>
       <p:pic>
         <p:nvPicPr>
-          <p:cNvPr id="4" name="Online Media 3" title="Protest end">
+          <p:cNvPr id="7" name="Online Media 6" title="Collective Behavior Project - Protest simulation">
             <a:hlinkClick r:id="" action="ppaction://media"/>
             <a:extLst>
               <a:ext uri="{FF2B5EF4-FFF2-40B4-BE49-F238E27FC236}">
-                <a16:creationId xmlns:a16="http://schemas.microsoft.com/office/drawing/2014/main" id="{6DAB5003-6DBD-CFFF-6B48-4FEFB2FAD06A}"/>
+                <a16:creationId xmlns:a16="http://schemas.microsoft.com/office/drawing/2014/main" id="{5AB0EA92-3876-97AB-C667-1D3DA551DA07}"/>
               </a:ext>
             </a:extLst>
           </p:cNvPr>
@@ -4159,42 +4188,11 @@
         </p:blipFill>
         <p:spPr>
           <a:xfrm>
-            <a:off x="1860873" y="1822424"/>
-            <a:ext cx="8022579" cy="4473036"/>
+            <a:off x="2222500" y="1919288"/>
+            <a:ext cx="7299325" cy="4124325"/>
           </a:xfrm>
         </p:spPr>
       </p:pic>
-      <p:sp>
-        <p:nvSpPr>
-          <p:cNvPr id="2" name="Title 1">
-            <a:extLst>
-              <a:ext uri="{FF2B5EF4-FFF2-40B4-BE49-F238E27FC236}">
-                <a16:creationId xmlns:a16="http://schemas.microsoft.com/office/drawing/2014/main" id="{1FE6C1E6-E6A6-ADAA-F14A-E3D9EA6E60D0}"/>
-              </a:ext>
-            </a:extLst>
-          </p:cNvPr>
-          <p:cNvSpPr>
-            <a:spLocks noGrp="1"/>
-          </p:cNvSpPr>
-          <p:nvPr>
-            <p:ph type="title"/>
-          </p:nvPr>
-        </p:nvSpPr>
-        <p:spPr/>
-        <p:txBody>
-          <a:bodyPr/>
-          <a:lstStyle/>
-          <a:p>
-            <a:r>
-              <a:rPr lang="en-US" dirty="0">
-                <a:latin typeface="Trebuchet MS"/>
-              </a:rPr>
-              <a:t>Protest simulation</a:t>
-            </a:r>
-            <a:endParaRPr lang="en-US" dirty="0"/>
-          </a:p>
-        </p:txBody>
-      </p:sp>
     </p:spTree>
     <p:extLst>
       <p:ext uri="{BB962C8B-B14F-4D97-AF65-F5344CB8AC3E}">
@@ -4213,13 +4211,7 @@
   <p:cSld>
     <p:spTree>
       <p:nvGrpSpPr>
-        <p:cNvPr id="1" name="">
-          <a:extLst>
-            <a:ext uri="{FF2B5EF4-FFF2-40B4-BE49-F238E27FC236}">
-              <a16:creationId xmlns:a16="http://schemas.microsoft.com/office/drawing/2014/main" id="{9238F1D7-EE7E-3455-733C-4E308796772E}"/>
-            </a:ext>
-          </a:extLst>
-        </p:cNvPr>
+        <p:cNvPr id="1" name=""/>
         <p:cNvGrpSpPr/>
         <p:nvPr/>
       </p:nvGrpSpPr>
@@ -4236,7 +4228,7 @@
           <p:cNvPr id="2" name="Title 1">
             <a:extLst>
               <a:ext uri="{FF2B5EF4-FFF2-40B4-BE49-F238E27FC236}">
-                <a16:creationId xmlns:a16="http://schemas.microsoft.com/office/drawing/2014/main" id="{73DA8B9E-6130-D1C4-223F-5115E659EB7C}"/>
+                <a16:creationId xmlns:a16="http://schemas.microsoft.com/office/drawing/2014/main" id="{81317C58-0845-8D21-93CE-3A72E035F6EF}"/>
               </a:ext>
             </a:extLst>
           </p:cNvPr>
@@ -4256,7 +4248,7 @@
               <a:rPr lang="en-US" dirty="0">
                 <a:latin typeface="Trebuchet MS" panose="020B0603020202020204" pitchFamily="34" charset="0"/>
               </a:rPr>
-              <a:t>Results</a:t>
+              <a:t>Conclusions</a:t>
             </a:r>
           </a:p>
         </p:txBody>
@@ -4266,7 +4258,7 @@
           <p:cNvPr id="3" name="Content Placeholder 2">
             <a:extLst>
               <a:ext uri="{FF2B5EF4-FFF2-40B4-BE49-F238E27FC236}">
-                <a16:creationId xmlns:a16="http://schemas.microsoft.com/office/drawing/2014/main" id="{FC607E13-5D85-7B89-57D8-D52A7634453B}"/>
+                <a16:creationId xmlns:a16="http://schemas.microsoft.com/office/drawing/2014/main" id="{C5837ED5-5CC5-5376-C0A8-FC9F5A5B8CA9}"/>
               </a:ext>
             </a:extLst>
           </p:cNvPr>
@@ -4279,29 +4271,74 @@
         </p:nvSpPr>
         <p:spPr/>
         <p:txBody>
-          <a:bodyPr/>
+          <a:bodyPr vert="horz" lIns="91440" tIns="45720" rIns="91440" bIns="45720" rtlCol="0" anchor="t">
+            <a:normAutofit/>
+          </a:bodyPr>
           <a:lstStyle/>
           <a:p>
             <a:r>
               <a:rPr lang="en-US" dirty="0"/>
-              <a:t>Arbitrary movement for leader</a:t>
-            </a:r>
-          </a:p>
-          <a:p>
+              <a:t>Main goals were achieved</a:t>
+            </a:r>
+          </a:p>
+          <a:p>
+            <a:r>
+              <a:rPr lang="en-US" dirty="0"/>
+              <a:t>Unexpected </a:t>
+            </a:r>
+            <a:r>
+              <a:rPr lang="en-US" dirty="0" err="1"/>
+              <a:t>behaviours</a:t>
+            </a:r>
+            <a:r>
+              <a:rPr lang="en-US" dirty="0"/>
+              <a:t> emerged, but were successfully corrected</a:t>
+            </a:r>
+          </a:p>
+          <a:p>
+            <a:r>
+              <a:rPr lang="en-US" dirty="0"/>
+              <a:t>Future work:</a:t>
+            </a:r>
+          </a:p>
+          <a:p>
+            <a:pPr lvl="1"/>
+            <a:r>
+              <a:rPr lang="en-US" dirty="0"/>
+              <a:t>Increase map accuracy (include parks, statues, etc.)</a:t>
+            </a:r>
+          </a:p>
+          <a:p>
+            <a:pPr lvl="1"/>
+            <a:r>
+              <a:rPr lang="en-US" dirty="0"/>
+              <a:t>Train police agents to create optimal formations</a:t>
+            </a:r>
+          </a:p>
+          <a:p>
+            <a:pPr lvl="1"/>
+            <a:r>
+              <a:rPr lang="en-US" dirty="0"/>
+              <a:t>Introduce uncertainty into vision</a:t>
+            </a:r>
+          </a:p>
+          <a:p>
+            <a:pPr lvl="1"/>
+            <a:r>
+              <a:rPr lang="en-US" dirty="0"/>
+              <a:t>Using the GPU to speed up the simulation</a:t>
+            </a:r>
+          </a:p>
+          <a:p>
+            <a:pPr lvl="1"/>
             <a:endParaRPr lang="en-US" dirty="0"/>
-          </a:p>
-          <a:p>
-            <a:r>
-              <a:rPr lang="en-US" dirty="0"/>
-              <a:t>…video</a:t>
-            </a:r>
           </a:p>
         </p:txBody>
       </p:sp>
     </p:spTree>
     <p:extLst>
       <p:ext uri="{BB962C8B-B14F-4D97-AF65-F5344CB8AC3E}">
-        <p14:creationId xmlns:p14="http://schemas.microsoft.com/office/powerpoint/2010/main" val="4012959857"/>
+        <p14:creationId xmlns:p14="http://schemas.microsoft.com/office/powerpoint/2010/main" val="1742204147"/>
       </p:ext>
     </p:extLst>
   </p:cSld>
@@ -4312,203 +4349,6 @@
 </file>
 
 <file path=ppt/slides/slide14.xml><?xml version="1.0" encoding="utf-8"?>
-<p:sld xmlns:a="http://schemas.openxmlformats.org/drawingml/2006/main" xmlns:r="http://schemas.openxmlformats.org/officeDocument/2006/relationships" xmlns:p="http://schemas.openxmlformats.org/presentationml/2006/main">
-  <p:cSld>
-    <p:spTree>
-      <p:nvGrpSpPr>
-        <p:cNvPr id="1" name="">
-          <a:extLst>
-            <a:ext uri="{FF2B5EF4-FFF2-40B4-BE49-F238E27FC236}">
-              <a16:creationId xmlns:a16="http://schemas.microsoft.com/office/drawing/2014/main" id="{C1D6E782-E566-B3E3-F301-D427CB31128B}"/>
-            </a:ext>
-          </a:extLst>
-        </p:cNvPr>
-        <p:cNvGrpSpPr/>
-        <p:nvPr/>
-      </p:nvGrpSpPr>
-      <p:grpSpPr>
-        <a:xfrm>
-          <a:off x="0" y="0"/>
-          <a:ext cx="0" cy="0"/>
-          <a:chOff x="0" y="0"/>
-          <a:chExt cx="0" cy="0"/>
-        </a:xfrm>
-      </p:grpSpPr>
-      <p:sp>
-        <p:nvSpPr>
-          <p:cNvPr id="2" name="Title 1">
-            <a:extLst>
-              <a:ext uri="{FF2B5EF4-FFF2-40B4-BE49-F238E27FC236}">
-                <a16:creationId xmlns:a16="http://schemas.microsoft.com/office/drawing/2014/main" id="{1FE6C1E6-E6A6-ADAA-F14A-E3D9EA6E60D0}"/>
-              </a:ext>
-            </a:extLst>
-          </p:cNvPr>
-          <p:cNvSpPr>
-            <a:spLocks noGrp="1"/>
-          </p:cNvSpPr>
-          <p:nvPr>
-            <p:ph type="title"/>
-          </p:nvPr>
-        </p:nvSpPr>
-        <p:spPr/>
-        <p:txBody>
-          <a:bodyPr/>
-          <a:lstStyle/>
-          <a:p>
-            <a:r>
-              <a:rPr lang="en-US" dirty="0">
-                <a:latin typeface="Trebuchet MS" panose="020B0603020202020204" pitchFamily="34" charset="0"/>
-              </a:rPr>
-              <a:t>Results</a:t>
-            </a:r>
-          </a:p>
-        </p:txBody>
-      </p:sp>
-      <p:sp>
-        <p:nvSpPr>
-          <p:cNvPr id="3" name="Content Placeholder 2">
-            <a:extLst>
-              <a:ext uri="{FF2B5EF4-FFF2-40B4-BE49-F238E27FC236}">
-                <a16:creationId xmlns:a16="http://schemas.microsoft.com/office/drawing/2014/main" id="{5D9CFBAB-8D3A-49B8-4C89-10F81BC031B2}"/>
-              </a:ext>
-            </a:extLst>
-          </p:cNvPr>
-          <p:cNvSpPr>
-            <a:spLocks noGrp="1"/>
-          </p:cNvSpPr>
-          <p:nvPr>
-            <p:ph idx="1"/>
-          </p:nvPr>
-        </p:nvSpPr>
-        <p:spPr/>
-        <p:txBody>
-          <a:bodyPr/>
-          <a:lstStyle/>
-          <a:p>
-            <a:r>
-              <a:rPr lang="en-US" dirty="0"/>
-              <a:t>User manually controls leader’s movement</a:t>
-            </a:r>
-          </a:p>
-          <a:p>
-            <a:endParaRPr lang="en-US" dirty="0"/>
-          </a:p>
-          <a:p>
-            <a:r>
-              <a:rPr lang="en-US" dirty="0"/>
-              <a:t>…video</a:t>
-            </a:r>
-          </a:p>
-        </p:txBody>
-      </p:sp>
-    </p:spTree>
-    <p:extLst>
-      <p:ext uri="{BB962C8B-B14F-4D97-AF65-F5344CB8AC3E}">
-        <p14:creationId xmlns:p14="http://schemas.microsoft.com/office/powerpoint/2010/main" val="3686370145"/>
-      </p:ext>
-    </p:extLst>
-  </p:cSld>
-  <p:clrMapOvr>
-    <a:masterClrMapping/>
-  </p:clrMapOvr>
-</p:sld>
-</file>
-
-<file path=ppt/slides/slide15.xml><?xml version="1.0" encoding="utf-8"?>
-<p:sld xmlns:a="http://schemas.openxmlformats.org/drawingml/2006/main" xmlns:r="http://schemas.openxmlformats.org/officeDocument/2006/relationships" xmlns:p="http://schemas.openxmlformats.org/presentationml/2006/main">
-  <p:cSld>
-    <p:spTree>
-      <p:nvGrpSpPr>
-        <p:cNvPr id="1" name="">
-          <a:extLst>
-            <a:ext uri="{FF2B5EF4-FFF2-40B4-BE49-F238E27FC236}">
-              <a16:creationId xmlns:a16="http://schemas.microsoft.com/office/drawing/2014/main" id="{E27F8262-C469-B430-19A2-E39472460DBE}"/>
-            </a:ext>
-          </a:extLst>
-        </p:cNvPr>
-        <p:cNvGrpSpPr/>
-        <p:nvPr/>
-      </p:nvGrpSpPr>
-      <p:grpSpPr>
-        <a:xfrm>
-          <a:off x="0" y="0"/>
-          <a:ext cx="0" cy="0"/>
-          <a:chOff x="0" y="0"/>
-          <a:chExt cx="0" cy="0"/>
-        </a:xfrm>
-      </p:grpSpPr>
-      <p:sp>
-        <p:nvSpPr>
-          <p:cNvPr id="2" name="Title 1">
-            <a:extLst>
-              <a:ext uri="{FF2B5EF4-FFF2-40B4-BE49-F238E27FC236}">
-                <a16:creationId xmlns:a16="http://schemas.microsoft.com/office/drawing/2014/main" id="{C8D971A7-C046-479B-8FC0-8047EE053FAB}"/>
-              </a:ext>
-            </a:extLst>
-          </p:cNvPr>
-          <p:cNvSpPr>
-            <a:spLocks noGrp="1"/>
-          </p:cNvSpPr>
-          <p:nvPr>
-            <p:ph type="title"/>
-          </p:nvPr>
-        </p:nvSpPr>
-        <p:spPr/>
-        <p:txBody>
-          <a:bodyPr/>
-          <a:lstStyle/>
-          <a:p>
-            <a:r>
-              <a:rPr lang="en-US" dirty="0">
-                <a:latin typeface="Trebuchet MS" panose="020B0603020202020204" pitchFamily="34" charset="0"/>
-              </a:rPr>
-              <a:t>Results</a:t>
-            </a:r>
-          </a:p>
-        </p:txBody>
-      </p:sp>
-      <p:sp>
-        <p:nvSpPr>
-          <p:cNvPr id="3" name="Content Placeholder 2">
-            <a:extLst>
-              <a:ext uri="{FF2B5EF4-FFF2-40B4-BE49-F238E27FC236}">
-                <a16:creationId xmlns:a16="http://schemas.microsoft.com/office/drawing/2014/main" id="{0CCA4659-2BEC-2986-981D-A4232C99F0E8}"/>
-              </a:ext>
-            </a:extLst>
-          </p:cNvPr>
-          <p:cNvSpPr>
-            <a:spLocks noGrp="1"/>
-          </p:cNvSpPr>
-          <p:nvPr>
-            <p:ph idx="1"/>
-          </p:nvPr>
-        </p:nvSpPr>
-        <p:spPr/>
-        <p:txBody>
-          <a:bodyPr/>
-          <a:lstStyle/>
-          <a:p>
-            <a:r>
-              <a:rPr lang="en-US" dirty="0"/>
-              <a:t>Leader hierarchy</a:t>
-            </a:r>
-          </a:p>
-        </p:txBody>
-      </p:sp>
-    </p:spTree>
-    <p:extLst>
-      <p:ext uri="{BB962C8B-B14F-4D97-AF65-F5344CB8AC3E}">
-        <p14:creationId xmlns:p14="http://schemas.microsoft.com/office/powerpoint/2010/main" val="3898129426"/>
-      </p:ext>
-    </p:extLst>
-  </p:cSld>
-  <p:clrMapOvr>
-    <a:masterClrMapping/>
-  </p:clrMapOvr>
-</p:sld>
-</file>
-
-<file path=ppt/slides/slide16.xml><?xml version="1.0" encoding="utf-8"?>
 <p:sld xmlns:a="http://schemas.openxmlformats.org/drawingml/2006/main" xmlns:r="http://schemas.openxmlformats.org/officeDocument/2006/relationships" xmlns:p="http://schemas.openxmlformats.org/presentationml/2006/main">
   <p:cSld>
     <p:spTree>
@@ -4530,139 +4370,6 @@
           <p:cNvPr id="2" name="Title 1">
             <a:extLst>
               <a:ext uri="{FF2B5EF4-FFF2-40B4-BE49-F238E27FC236}">
-                <a16:creationId xmlns:a16="http://schemas.microsoft.com/office/drawing/2014/main" id="{81317C58-0845-8D21-93CE-3A72E035F6EF}"/>
-              </a:ext>
-            </a:extLst>
-          </p:cNvPr>
-          <p:cNvSpPr>
-            <a:spLocks noGrp="1"/>
-          </p:cNvSpPr>
-          <p:nvPr>
-            <p:ph type="title"/>
-          </p:nvPr>
-        </p:nvSpPr>
-        <p:spPr/>
-        <p:txBody>
-          <a:bodyPr/>
-          <a:lstStyle/>
-          <a:p>
-            <a:r>
-              <a:rPr lang="en-US" dirty="0">
-                <a:latin typeface="Trebuchet MS" panose="020B0603020202020204" pitchFamily="34" charset="0"/>
-              </a:rPr>
-              <a:t>Conclusions</a:t>
-            </a:r>
-          </a:p>
-        </p:txBody>
-      </p:sp>
-      <p:sp>
-        <p:nvSpPr>
-          <p:cNvPr id="3" name="Content Placeholder 2">
-            <a:extLst>
-              <a:ext uri="{FF2B5EF4-FFF2-40B4-BE49-F238E27FC236}">
-                <a16:creationId xmlns:a16="http://schemas.microsoft.com/office/drawing/2014/main" id="{C5837ED5-5CC5-5376-C0A8-FC9F5A5B8CA9}"/>
-              </a:ext>
-            </a:extLst>
-          </p:cNvPr>
-          <p:cNvSpPr>
-            <a:spLocks noGrp="1"/>
-          </p:cNvSpPr>
-          <p:nvPr>
-            <p:ph idx="1"/>
-          </p:nvPr>
-        </p:nvSpPr>
-        <p:spPr/>
-        <p:txBody>
-          <a:bodyPr/>
-          <a:lstStyle/>
-          <a:p>
-            <a:r>
-              <a:rPr lang="en-US" dirty="0"/>
-              <a:t>Main goals were achieved</a:t>
-            </a:r>
-          </a:p>
-          <a:p>
-            <a:r>
-              <a:rPr lang="en-US" dirty="0"/>
-              <a:t>Unexpected </a:t>
-            </a:r>
-            <a:r>
-              <a:rPr lang="en-US" dirty="0" err="1"/>
-              <a:t>behaviours</a:t>
-            </a:r>
-            <a:r>
-              <a:rPr lang="en-US" dirty="0"/>
-              <a:t> emerged, but were successfully corrected</a:t>
-            </a:r>
-          </a:p>
-          <a:p>
-            <a:r>
-              <a:rPr lang="en-US" dirty="0"/>
-              <a:t>Future work:</a:t>
-            </a:r>
-          </a:p>
-          <a:p>
-            <a:pPr lvl="1"/>
-            <a:r>
-              <a:rPr lang="en-US" dirty="0"/>
-              <a:t>Increase map accuracy (include parks, statues, etc.)</a:t>
-            </a:r>
-          </a:p>
-          <a:p>
-            <a:pPr lvl="1"/>
-            <a:r>
-              <a:rPr lang="en-US" dirty="0"/>
-              <a:t>Train police agents to create optimal formations</a:t>
-            </a:r>
-          </a:p>
-          <a:p>
-            <a:pPr lvl="1"/>
-            <a:r>
-              <a:rPr lang="en-US" dirty="0"/>
-              <a:t>Introduce uncertainty into vision</a:t>
-            </a:r>
-          </a:p>
-          <a:p>
-            <a:pPr lvl="1"/>
-            <a:endParaRPr lang="en-US" dirty="0"/>
-          </a:p>
-        </p:txBody>
-      </p:sp>
-    </p:spTree>
-    <p:extLst>
-      <p:ext uri="{BB962C8B-B14F-4D97-AF65-F5344CB8AC3E}">
-        <p14:creationId xmlns:p14="http://schemas.microsoft.com/office/powerpoint/2010/main" val="1742204147"/>
-      </p:ext>
-    </p:extLst>
-  </p:cSld>
-  <p:clrMapOvr>
-    <a:masterClrMapping/>
-  </p:clrMapOvr>
-</p:sld>
-</file>
-
-<file path=ppt/slides/slide17.xml><?xml version="1.0" encoding="utf-8"?>
-<p:sld xmlns:a="http://schemas.openxmlformats.org/drawingml/2006/main" xmlns:r="http://schemas.openxmlformats.org/officeDocument/2006/relationships" xmlns:p="http://schemas.openxmlformats.org/presentationml/2006/main">
-  <p:cSld>
-    <p:spTree>
-      <p:nvGrpSpPr>
-        <p:cNvPr id="1" name=""/>
-        <p:cNvGrpSpPr/>
-        <p:nvPr/>
-      </p:nvGrpSpPr>
-      <p:grpSpPr>
-        <a:xfrm>
-          <a:off x="0" y="0"/>
-          <a:ext cx="0" cy="0"/>
-          <a:chOff x="0" y="0"/>
-          <a:chExt cx="0" cy="0"/>
-        </a:xfrm>
-      </p:grpSpPr>
-      <p:sp>
-        <p:nvSpPr>
-          <p:cNvPr id="2" name="Title 1">
-            <a:extLst>
-              <a:ext uri="{FF2B5EF4-FFF2-40B4-BE49-F238E27FC236}">
                 <a16:creationId xmlns:a16="http://schemas.microsoft.com/office/drawing/2014/main" id="{427B556E-14F6-F617-A0C9-A64626166D74}"/>
               </a:ext>
             </a:extLst>
@@ -4685,31 +4392,6 @@
               </a:rPr>
               <a:t>Thank you for your attention</a:t>
             </a:r>
-          </a:p>
-        </p:txBody>
-      </p:sp>
-      <p:sp>
-        <p:nvSpPr>
-          <p:cNvPr id="3" name="Text Placeholder 2">
-            <a:extLst>
-              <a:ext uri="{FF2B5EF4-FFF2-40B4-BE49-F238E27FC236}">
-                <a16:creationId xmlns:a16="http://schemas.microsoft.com/office/drawing/2014/main" id="{BC889EB6-9A67-D64C-305A-81C2CEF39489}"/>
-              </a:ext>
-            </a:extLst>
-          </p:cNvPr>
-          <p:cNvSpPr>
-            <a:spLocks noGrp="1"/>
-          </p:cNvSpPr>
-          <p:nvPr>
-            <p:ph type="body" idx="1"/>
-          </p:nvPr>
-        </p:nvSpPr>
-        <p:spPr/>
-        <p:txBody>
-          <a:bodyPr/>
-          <a:lstStyle/>
-          <a:p>
-            <a:endParaRPr lang="en-US"/>
           </a:p>
         </p:txBody>
       </p:sp>
@@ -5360,7 +5042,35 @@
           <a:p>
             <a:r>
               <a:rPr lang="en-US" dirty="0"/>
-              <a:t>Two main states: standing still and in-motion</a:t>
+              <a:t>Four main states: </a:t>
+            </a:r>
+          </a:p>
+          <a:p>
+            <a:pPr lvl="1"/>
+            <a:r>
+              <a:rPr lang="en-US" dirty="0"/>
+              <a:t>Stationary</a:t>
+            </a:r>
+          </a:p>
+          <a:p>
+            <a:pPr lvl="1"/>
+            <a:r>
+              <a:rPr lang="en-US" dirty="0"/>
+              <a:t>In-motion</a:t>
+            </a:r>
+          </a:p>
+          <a:p>
+            <a:pPr lvl="1"/>
+            <a:r>
+              <a:rPr lang="en-US" dirty="0"/>
+              <a:t>Herd</a:t>
+            </a:r>
+          </a:p>
+          <a:p>
+            <a:pPr lvl="1"/>
+            <a:r>
+              <a:rPr lang="en-US" dirty="0"/>
+              <a:t>disperse</a:t>
             </a:r>
           </a:p>
           <a:p>
@@ -5376,12 +5086,19 @@
           </a:p>
           <a:p>
             <a:r>
-              <a:rPr lang="en-US"/>
-              <a:t>Other forces: Wall </a:t>
-            </a:r>
-            <a:r>
               <a:rPr lang="en-US" dirty="0"/>
-              <a:t>avoidance, collision avoidance</a:t>
+              <a:t>Leader Following </a:t>
+            </a:r>
+            <a:r>
+              <a:rPr lang="en-US" dirty="0" err="1"/>
+              <a:t>Behaviour</a:t>
+            </a:r>
+            <a:endParaRPr lang="en-US" dirty="0"/>
+          </a:p>
+          <a:p>
+            <a:r>
+              <a:rPr lang="en-US" dirty="0"/>
+              <a:t>Other forces: Wall avoidance, collision avoidance</a:t>
             </a:r>
           </a:p>
           <a:p>
@@ -5473,7 +5190,9 @@
         </p:nvSpPr>
         <p:spPr/>
         <p:txBody>
-          <a:bodyPr/>
+          <a:bodyPr vert="horz" lIns="91440" tIns="45720" rIns="91440" bIns="45720" rtlCol="0" anchor="t">
+            <a:normAutofit/>
+          </a:bodyPr>
           <a:lstStyle/>
           <a:p>
             <a:r>
@@ -5490,7 +5209,7 @@
           <a:p>
             <a:r>
               <a:rPr lang="en-US" dirty="0"/>
-              <a:t>Hierarchy of followers and local leaders</a:t>
+              <a:t>Hierarchy of followers</a:t>
             </a:r>
           </a:p>
           <a:p>
@@ -5515,6 +5234,42 @@
           </a:p>
         </p:txBody>
       </p:sp>
+      <p:pic>
+        <p:nvPicPr>
+          <p:cNvPr id="5" name="Picture 4" descr="A video game screen with a group of colorful objects&#10;&#10;Description automatically generated">
+            <a:extLst>
+              <a:ext uri="{FF2B5EF4-FFF2-40B4-BE49-F238E27FC236}">
+                <a16:creationId xmlns:a16="http://schemas.microsoft.com/office/drawing/2014/main" id="{F9140B41-8476-178E-A54A-40F31324F701}"/>
+              </a:ext>
+            </a:extLst>
+          </p:cNvPr>
+          <p:cNvPicPr>
+            <a:picLocks noChangeAspect="1"/>
+          </p:cNvPicPr>
+          <p:nvPr/>
+        </p:nvPicPr>
+        <p:blipFill>
+          <a:blip r:embed="rId2">
+            <a:extLst>
+              <a:ext uri="{28A0092B-C50C-407E-A947-70E740481C1C}">
+                <a14:useLocalDpi xmlns:a14="http://schemas.microsoft.com/office/drawing/2010/main" val="0"/>
+              </a:ext>
+            </a:extLst>
+          </a:blip>
+          <a:stretch>
+            <a:fillRect/>
+          </a:stretch>
+        </p:blipFill>
+        <p:spPr>
+          <a:xfrm>
+            <a:off x="6899871" y="2250831"/>
+            <a:ext cx="5292129" cy="4607169"/>
+          </a:xfrm>
+          <a:prstGeom prst="rect">
+            <a:avLst/>
+          </a:prstGeom>
+        </p:spPr>
+      </p:pic>
     </p:spTree>
     <p:extLst>
       <p:ext uri="{BB962C8B-B14F-4D97-AF65-F5344CB8AC3E}">
@@ -5651,7 +5406,7 @@
         <p:cNvPr id="1" name="">
           <a:extLst>
             <a:ext uri="{FF2B5EF4-FFF2-40B4-BE49-F238E27FC236}">
-              <a16:creationId xmlns:a16="http://schemas.microsoft.com/office/drawing/2014/main" id="{9C87F304-6F87-439F-A28C-BC805365BFE7}"/>
+              <a16:creationId xmlns:a16="http://schemas.microsoft.com/office/drawing/2014/main" id="{C1D6E782-E566-B3E3-F301-D427CB31128B}"/>
             </a:ext>
           </a:extLst>
         </p:cNvPr>
@@ -5671,7 +5426,7 @@
           <p:cNvPr id="2" name="Title 1">
             <a:extLst>
               <a:ext uri="{FF2B5EF4-FFF2-40B4-BE49-F238E27FC236}">
-                <a16:creationId xmlns:a16="http://schemas.microsoft.com/office/drawing/2014/main" id="{F7F4E941-C344-8DF8-83B3-36D9058A9A3A}"/>
+                <a16:creationId xmlns:a16="http://schemas.microsoft.com/office/drawing/2014/main" id="{1FE6C1E6-E6A6-ADAA-F14A-E3D9EA6E60D0}"/>
               </a:ext>
             </a:extLst>
           </p:cNvPr>
@@ -5699,23 +5454,30 @@
               </a:rPr>
               <a:t>behaviour</a:t>
             </a:r>
+            <a:endParaRPr lang="en-US" dirty="0" err="1">
+              <a:solidFill>
+                <a:srgbClr val="000000"/>
+              </a:solidFill>
+              <a:latin typeface="Trebuchet MS"/>
+            </a:endParaRPr>
           </a:p>
         </p:txBody>
       </p:sp>
       <p:pic>
         <p:nvPicPr>
-          <p:cNvPr id="6" name="Online Media 3" title="Protest Formation">
+          <p:cNvPr id="7" name="Online Media 6" descr="Protest formation">
             <a:hlinkClick r:id="" action="ppaction://media"/>
             <a:extLst>
               <a:ext uri="{FF2B5EF4-FFF2-40B4-BE49-F238E27FC236}">
-                <a16:creationId xmlns:a16="http://schemas.microsoft.com/office/drawing/2014/main" id="{139FC1B7-D91F-8108-3784-DD0F9639ACB8}"/>
+                <a16:creationId xmlns:a16="http://schemas.microsoft.com/office/drawing/2014/main" id="{840A5EDA-1052-47F1-B9ED-A1DF18C94765}"/>
               </a:ext>
             </a:extLst>
           </p:cNvPr>
           <p:cNvPicPr>
-            <a:picLocks noRot="1" noChangeAspect="1"/>
+            <a:picLocks noGrp="1" noRot="1" noChangeAspect="1"/>
           </p:cNvPicPr>
           <p:nvPr>
+            <p:ph idx="1"/>
             <a:videoFile r:link="rId1"/>
           </p:nvPr>
         </p:nvPicPr>
@@ -5727,8 +5489,8 @@
         </p:blipFill>
         <p:spPr>
           <a:xfrm>
-            <a:off x="1859359" y="1826523"/>
-            <a:ext cx="8013699" cy="4529137"/>
+            <a:off x="2222500" y="1919288"/>
+            <a:ext cx="7299325" cy="4124325"/>
           </a:xfrm>
           <a:prstGeom prst="rect">
             <a:avLst/>
@@ -5738,13 +5500,148 @@
     </p:spTree>
     <p:extLst>
       <p:ext uri="{BB962C8B-B14F-4D97-AF65-F5344CB8AC3E}">
-        <p14:creationId xmlns:p14="http://schemas.microsoft.com/office/powerpoint/2010/main" val="1642649021"/>
+        <p14:creationId xmlns:p14="http://schemas.microsoft.com/office/powerpoint/2010/main" val="822487633"/>
       </p:ext>
     </p:extLst>
   </p:cSld>
   <p:clrMapOvr>
     <a:masterClrMapping/>
   </p:clrMapOvr>
+  <p:timing>
+    <p:tnLst>
+      <p:par>
+        <p:cTn id="1" dur="indefinite" restart="never" nodeType="tmRoot">
+          <p:childTnLst>
+            <p:seq concurrent="1" nextAc="seek">
+              <p:cTn id="2" dur="indefinite" nodeType="mainSeq">
+                <p:childTnLst>
+                  <p:par>
+                    <p:cTn id="3" fill="hold">
+                      <p:stCondLst>
+                        <p:cond delay="indefinite"/>
+                      </p:stCondLst>
+                      <p:childTnLst>
+                        <p:par>
+                          <p:cTn id="4" fill="hold">
+                            <p:stCondLst>
+                              <p:cond delay="0"/>
+                            </p:stCondLst>
+                            <p:childTnLst>
+                              <p:par>
+                                <p:cTn id="5" presetID="1" presetClass="mediacall" presetSubtype="0" fill="hold" nodeType="clickEffect">
+                                  <p:stCondLst>
+                                    <p:cond delay="0"/>
+                                  </p:stCondLst>
+                                  <p:childTnLst>
+                                    <p:cmd type="call" cmd="playFrom(0.0)">
+                                      <p:cBhvr>
+                                        <p:cTn id="6" dur="1" fill="hold"/>
+                                        <p:tgtEl>
+                                          <p:spTgt spid="7"/>
+                                        </p:tgtEl>
+                                      </p:cBhvr>
+                                    </p:cmd>
+                                  </p:childTnLst>
+                                </p:cTn>
+                              </p:par>
+                            </p:childTnLst>
+                          </p:cTn>
+                        </p:par>
+                      </p:childTnLst>
+                    </p:cTn>
+                  </p:par>
+                </p:childTnLst>
+              </p:cTn>
+              <p:prevCondLst>
+                <p:cond evt="onPrev" delay="0">
+                  <p:tgtEl>
+                    <p:sldTgt/>
+                  </p:tgtEl>
+                </p:cond>
+              </p:prevCondLst>
+              <p:nextCondLst>
+                <p:cond evt="onNext" delay="0">
+                  <p:tgtEl>
+                    <p:sldTgt/>
+                  </p:tgtEl>
+                </p:cond>
+              </p:nextCondLst>
+            </p:seq>
+            <p:video>
+              <p:cMediaNode vol="80000">
+                <p:cTn id="7" fill="hold" display="0">
+                  <p:stCondLst>
+                    <p:cond delay="indefinite"/>
+                  </p:stCondLst>
+                </p:cTn>
+                <p:tgtEl>
+                  <p:spTgt spid="7"/>
+                </p:tgtEl>
+              </p:cMediaNode>
+            </p:video>
+            <p:seq concurrent="1" nextAc="seek">
+              <p:cTn id="8" restart="whenNotActive" fill="hold" evtFilter="cancelBubble" nodeType="interactiveSeq">
+                <p:stCondLst>
+                  <p:cond evt="onClick" delay="0">
+                    <p:tgtEl>
+                      <p:spTgt spid="7"/>
+                    </p:tgtEl>
+                  </p:cond>
+                </p:stCondLst>
+                <p:endSync evt="end" delay="0">
+                  <p:rtn val="all"/>
+                </p:endSync>
+                <p:childTnLst>
+                  <p:par>
+                    <p:cTn id="9" fill="hold">
+                      <p:stCondLst>
+                        <p:cond delay="0"/>
+                      </p:stCondLst>
+                      <p:childTnLst>
+                        <p:par>
+                          <p:cTn id="10" fill="hold">
+                            <p:stCondLst>
+                              <p:cond delay="0"/>
+                            </p:stCondLst>
+                            <p:childTnLst>
+                              <p:par>
+                                <p:cTn id="11" presetID="2" presetClass="mediacall" presetSubtype="0" fill="hold" nodeType="clickEffect">
+                                  <p:stCondLst>
+                                    <p:cond delay="0"/>
+                                  </p:stCondLst>
+                                  <p:childTnLst>
+                                    <p:cmd type="call" cmd="togglePause">
+                                      <p:cBhvr>
+                                        <p:cTn id="12" dur="1" fill="hold"/>
+                                        <p:tgtEl>
+                                          <p:spTgt spid="7"/>
+                                        </p:tgtEl>
+                                      </p:cBhvr>
+                                    </p:cmd>
+                                  </p:childTnLst>
+                                </p:cTn>
+                              </p:par>
+                            </p:childTnLst>
+                          </p:cTn>
+                        </p:par>
+                      </p:childTnLst>
+                    </p:cTn>
+                  </p:par>
+                </p:childTnLst>
+              </p:cTn>
+              <p:nextCondLst>
+                <p:cond evt="onClick" delay="0">
+                  <p:tgtEl>
+                    <p:spTgt spid="7"/>
+                  </p:tgtEl>
+                </p:cond>
+              </p:nextCondLst>
+            </p:seq>
+          </p:childTnLst>
+        </p:cTn>
+      </p:par>
+    </p:tnLst>
+  </p:timing>
 </p:sld>
 </file>
 
